--- a/2017_SCALE15/SCaLE-ConSchedAndSDSChangeCloud.pptx
+++ b/2017_SCALE15/SCaLE-ConSchedAndSDSChangeCloud.pptx
@@ -5463,7 +5463,7 @@
                   <a:schemeClr val="bg1"/>
                 </a:buClr>
               </a:pPr>
-              <a:t>1/27/2017</a:t>
+              <a:t>1/29/17</a:t>
             </a:fld>
             <a:endParaRPr lang="en-US" sz="900" dirty="0" smtClean="0">
               <a:solidFill>
@@ -5537,7 +5537,7 @@
                   <a:schemeClr val="bg1"/>
                 </a:buClr>
               </a:pPr>
-              <a:t>1/27/2017</a:t>
+              <a:t>1/29/17</a:t>
             </a:fld>
             <a:endParaRPr lang="en-US" sz="900" dirty="0" smtClean="0">
               <a:solidFill>
@@ -10325,9 +10325,14 @@
           </a:p>
           <a:p>
             <a:r>
-              <a:rPr lang="en-US" dirty="0" smtClean="0"/>
-              <a:t>Beginnings of self-aware applications</a:t>
-            </a:r>
+              <a:rPr lang="en-US"/>
+              <a:t>S</a:t>
+            </a:r>
+            <a:r>
+              <a:rPr lang="en-US" smtClean="0"/>
+              <a:t>elf-aware applications!</a:t>
+            </a:r>
+            <a:endParaRPr lang="en-US" dirty="0" smtClean="0"/>
           </a:p>
         </p:txBody>
       </p:sp>

--- a/2017_SCALE15/SCaLE-ConSchedAndSDSChangeCloud.pptx
+++ b/2017_SCALE15/SCaLE-ConSchedAndSDSChangeCloud.pptx
@@ -783,49 +783,6 @@
           <a:bodyPr/>
           <a:lstStyle/>
           <a:p>
-            <a:r>
-              <a:rPr lang="en-US" dirty="0" smtClean="0"/>
-              <a:t>Is a Container Scheduler</a:t>
-            </a:r>
-          </a:p>
-          <a:p>
-            <a:r>
-              <a:rPr lang="en-US" baseline="0" dirty="0" smtClean="0"/>
-              <a:t>  - </a:t>
-            </a:r>
-            <a:r>
-              <a:rPr lang="en-US" dirty="0" smtClean="0"/>
-              <a:t>Docker</a:t>
-            </a:r>
-          </a:p>
-          <a:p>
-            <a:r>
-              <a:rPr lang="en-US" baseline="0" smtClean="0"/>
-              <a:t>  - </a:t>
-            </a:r>
-            <a:r>
-              <a:rPr lang="en-US" smtClean="0"/>
-              <a:t>Unified </a:t>
-            </a:r>
-            <a:r>
-              <a:rPr lang="en-US" dirty="0" err="1" smtClean="0"/>
-              <a:t>Containerizer</a:t>
-            </a:r>
-            <a:endParaRPr lang="en-US" dirty="0" smtClean="0"/>
-          </a:p>
-          <a:p>
-            <a:r>
-              <a:rPr lang="en-US" dirty="0" smtClean="0"/>
-              <a:t>Task placement based on CPU, Memory, and Disk</a:t>
-            </a:r>
-          </a:p>
-          <a:p>
-            <a:r>
-              <a:rPr lang="en-US" dirty="0" smtClean="0"/>
-              <a:t>User defined constraints</a:t>
-            </a:r>
-          </a:p>
-          <a:p>
             <a:endParaRPr lang="en-US" dirty="0"/>
           </a:p>
         </p:txBody>
@@ -853,7 +810,7 @@
               <a:pPr>
                 <a:defRPr/>
               </a:pPr>
-              <a:t>12</a:t>
+              <a:t>1</a:t>
             </a:fld>
             <a:endParaRPr lang="en-US" dirty="0"/>
           </a:p>
@@ -862,7 +819,7 @@
     </p:spTree>
     <p:extLst>
       <p:ext uri="{BB962C8B-B14F-4D97-AF65-F5344CB8AC3E}">
-        <p14:creationId xmlns:p14="http://schemas.microsoft.com/office/powerpoint/2010/main" val="2738618154"/>
+        <p14:creationId xmlns:p14="http://schemas.microsoft.com/office/powerpoint/2010/main" val="756083383"/>
       </p:ext>
     </p:extLst>
   </p:cSld>
@@ -916,6 +873,49 @@
           <a:bodyPr/>
           <a:lstStyle/>
           <a:p>
+            <a:r>
+              <a:rPr lang="en-US" dirty="0" smtClean="0"/>
+              <a:t>Is a Container Scheduler</a:t>
+            </a:r>
+          </a:p>
+          <a:p>
+            <a:r>
+              <a:rPr lang="en-US" baseline="0" dirty="0" smtClean="0"/>
+              <a:t>  - </a:t>
+            </a:r>
+            <a:r>
+              <a:rPr lang="en-US" dirty="0" smtClean="0"/>
+              <a:t>Docker</a:t>
+            </a:r>
+          </a:p>
+          <a:p>
+            <a:r>
+              <a:rPr lang="en-US" baseline="0" smtClean="0"/>
+              <a:t>  - </a:t>
+            </a:r>
+            <a:r>
+              <a:rPr lang="en-US" smtClean="0"/>
+              <a:t>Unified </a:t>
+            </a:r>
+            <a:r>
+              <a:rPr lang="en-US" dirty="0" err="1" smtClean="0"/>
+              <a:t>Containerizer</a:t>
+            </a:r>
+            <a:endParaRPr lang="en-US" dirty="0" smtClean="0"/>
+          </a:p>
+          <a:p>
+            <a:r>
+              <a:rPr lang="en-US" dirty="0" smtClean="0"/>
+              <a:t>Task placement based on CPU, Memory, and Disk</a:t>
+            </a:r>
+          </a:p>
+          <a:p>
+            <a:r>
+              <a:rPr lang="en-US" dirty="0" smtClean="0"/>
+              <a:t>User defined constraints</a:t>
+            </a:r>
+          </a:p>
+          <a:p>
             <a:endParaRPr lang="en-US" dirty="0"/>
           </a:p>
         </p:txBody>
@@ -943,7 +943,7 @@
               <a:pPr>
                 <a:defRPr/>
               </a:pPr>
-              <a:t>18</a:t>
+              <a:t>12</a:t>
             </a:fld>
             <a:endParaRPr lang="en-US" dirty="0"/>
           </a:p>
@@ -952,7 +952,7 @@
     </p:spTree>
     <p:extLst>
       <p:ext uri="{BB962C8B-B14F-4D97-AF65-F5344CB8AC3E}">
-        <p14:creationId xmlns:p14="http://schemas.microsoft.com/office/powerpoint/2010/main" val="1598682365"/>
+        <p14:creationId xmlns:p14="http://schemas.microsoft.com/office/powerpoint/2010/main" val="2738618154"/>
       </p:ext>
     </p:extLst>
   </p:cSld>
@@ -1033,6 +1033,96 @@
               <a:pPr>
                 <a:defRPr/>
               </a:pPr>
+              <a:t>18</a:t>
+            </a:fld>
+            <a:endParaRPr lang="en-US" dirty="0"/>
+          </a:p>
+        </p:txBody>
+      </p:sp>
+    </p:spTree>
+    <p:extLst>
+      <p:ext uri="{BB962C8B-B14F-4D97-AF65-F5344CB8AC3E}">
+        <p14:creationId xmlns:p14="http://schemas.microsoft.com/office/powerpoint/2010/main" val="1598682365"/>
+      </p:ext>
+    </p:extLst>
+  </p:cSld>
+  <p:clrMapOvr>
+    <a:masterClrMapping/>
+  </p:clrMapOvr>
+</p:notes>
+</file>
+
+<file path=ppt/notesSlides/notesSlide4.xml><?xml version="1.0" encoding="utf-8"?>
+<p:notes xmlns:a="http://schemas.openxmlformats.org/drawingml/2006/main" xmlns:r="http://schemas.openxmlformats.org/officeDocument/2006/relationships" xmlns:p="http://schemas.openxmlformats.org/presentationml/2006/main">
+  <p:cSld>
+    <p:spTree>
+      <p:nvGrpSpPr>
+        <p:cNvPr id="1" name=""/>
+        <p:cNvGrpSpPr/>
+        <p:nvPr/>
+      </p:nvGrpSpPr>
+      <p:grpSpPr>
+        <a:xfrm>
+          <a:off x="0" y="0"/>
+          <a:ext cx="0" cy="0"/>
+          <a:chOff x="0" y="0"/>
+          <a:chExt cx="0" cy="0"/>
+        </a:xfrm>
+      </p:grpSpPr>
+      <p:sp>
+        <p:nvSpPr>
+          <p:cNvPr id="2" name="Slide Image Placeholder 1"/>
+          <p:cNvSpPr>
+            <a:spLocks noGrp="1" noRot="1" noChangeAspect="1"/>
+          </p:cNvSpPr>
+          <p:nvPr>
+            <p:ph type="sldImg"/>
+          </p:nvPr>
+        </p:nvSpPr>
+        <p:spPr/>
+      </p:sp>
+      <p:sp>
+        <p:nvSpPr>
+          <p:cNvPr id="3" name="Notes Placeholder 2"/>
+          <p:cNvSpPr>
+            <a:spLocks noGrp="1"/>
+          </p:cNvSpPr>
+          <p:nvPr>
+            <p:ph type="body" idx="1"/>
+          </p:nvPr>
+        </p:nvSpPr>
+        <p:spPr/>
+        <p:txBody>
+          <a:bodyPr/>
+          <a:lstStyle/>
+          <a:p>
+            <a:endParaRPr lang="en-US" dirty="0"/>
+          </a:p>
+        </p:txBody>
+      </p:sp>
+      <p:sp>
+        <p:nvSpPr>
+          <p:cNvPr id="4" name="Slide Number Placeholder 3"/>
+          <p:cNvSpPr>
+            <a:spLocks noGrp="1"/>
+          </p:cNvSpPr>
+          <p:nvPr>
+            <p:ph type="sldNum" sz="quarter" idx="10"/>
+          </p:nvPr>
+        </p:nvSpPr>
+        <p:spPr/>
+        <p:txBody>
+          <a:bodyPr/>
+          <a:lstStyle/>
+          <a:p>
+            <a:pPr>
+              <a:defRPr/>
+            </a:pPr>
+            <a:fld id="{FA04BB6B-BEDE-48E4-970F-8DFC0D4B5AE7}" type="slidenum">
+              <a:rPr lang="en-US" smtClean="0"/>
+              <a:pPr>
+                <a:defRPr/>
+              </a:pPr>
               <a:t>25</a:t>
             </a:fld>
             <a:endParaRPr lang="en-US" dirty="0"/>
@@ -1052,7 +1142,7 @@
 </p:notes>
 </file>
 
-<file path=ppt/notesSlides/notesSlide4.xml><?xml version="1.0" encoding="utf-8"?>
+<file path=ppt/notesSlides/notesSlide5.xml><?xml version="1.0" encoding="utf-8"?>
 <p:notes xmlns:a="http://schemas.openxmlformats.org/drawingml/2006/main" xmlns:r="http://schemas.openxmlformats.org/officeDocument/2006/relationships" xmlns:p="http://schemas.openxmlformats.org/presentationml/2006/main">
   <p:cSld>
     <p:spTree>
@@ -5555,7 +5645,7 @@
                   <a:schemeClr val="bg1"/>
                 </a:buClr>
               </a:pPr>
-              <a:t>2/14/2017</a:t>
+              <a:t>2/22/17</a:t>
             </a:fld>
             <a:endParaRPr lang="en-US" sz="900" dirty="0" smtClean="0">
               <a:solidFill>
@@ -5629,7 +5719,7 @@
                   <a:schemeClr val="bg1"/>
                 </a:buClr>
               </a:pPr>
-              <a:t>2/14/2017</a:t>
+              <a:t>2/22/17</a:t>
             </a:fld>
             <a:endParaRPr lang="en-US" sz="900" dirty="0" smtClean="0">
               <a:solidFill>
@@ -10476,14 +10566,12 @@
               <a:rPr lang="en-US" dirty="0" smtClean="0"/>
               <a:t>Applications with management APIs</a:t>
             </a:r>
-            <a:endParaRPr lang="en-US" dirty="0" smtClean="0"/>
           </a:p>
           <a:p>
             <a:r>
               <a:rPr lang="en-US" dirty="0" smtClean="0"/>
               <a:t>Cloud is perfect to enable DevOps</a:t>
             </a:r>
-            <a:endParaRPr lang="en-US" dirty="0" smtClean="0"/>
           </a:p>
           <a:p>
             <a:r>
@@ -10613,14 +10701,12 @@
               <a:rPr lang="en-US" dirty="0" smtClean="0"/>
               <a:t>Framework deploy and configure applications.</a:t>
             </a:r>
-            <a:endParaRPr lang="en-US" dirty="0" smtClean="0"/>
           </a:p>
           <a:p>
             <a:r>
               <a:rPr lang="en-US" dirty="0" smtClean="0"/>
               <a:t>Enable application monitoring via Management APIs</a:t>
             </a:r>
-            <a:endParaRPr lang="en-US" dirty="0" smtClean="0"/>
           </a:p>
           <a:p>
             <a:r>
@@ -10633,7 +10719,6 @@
               <a:rPr lang="en-US" dirty="0" smtClean="0"/>
               <a:t>Can fix themselves, but to what end?</a:t>
             </a:r>
-            <a:endParaRPr lang="en-US" dirty="0" smtClean="0"/>
           </a:p>
         </p:txBody>
       </p:sp>
@@ -14293,8 +14378,8 @@
           <a:lstStyle/>
           <a:p>
             <a:r>
-              <a:rPr lang="en-US" dirty="0" smtClean="0"/>
-              <a:t>What that might look like…</a:t>
+              <a:rPr lang="en-US" smtClean="0"/>
+              <a:t>Example: NFS</a:t>
             </a:r>
             <a:endParaRPr lang="en-US" dirty="0"/>
           </a:p>
@@ -14324,8 +14409,8 @@
         </p:blipFill>
         <p:spPr>
           <a:xfrm>
-            <a:off x="2226365" y="1108624"/>
-            <a:ext cx="4526579" cy="3789695"/>
+            <a:off x="3250968" y="1008143"/>
+            <a:ext cx="2719525" cy="3986996"/>
           </a:xfrm>
         </p:spPr>
       </p:pic>
@@ -14386,7 +14471,7 @@
           <a:p>
             <a:r>
               <a:rPr lang="en-US" dirty="0" smtClean="0"/>
-              <a:t>What that might look like…</a:t>
+              <a:t>Example: VSAN</a:t>
             </a:r>
             <a:endParaRPr lang="en-US" dirty="0"/>
           </a:p>
@@ -14416,8 +14501,8 @@
         </p:blipFill>
         <p:spPr>
           <a:xfrm>
-            <a:off x="762733" y="1227894"/>
-            <a:ext cx="7608015" cy="3394345"/>
+            <a:off x="677732" y="1195622"/>
+            <a:ext cx="7734747" cy="3495511"/>
           </a:xfrm>
         </p:spPr>
       </p:pic>

--- a/2017_SCALE15/SCaLE-ConSchedAndSDSChangeCloud.pptx
+++ b/2017_SCALE15/SCaLE-ConSchedAndSDSChangeCloud.pptx
@@ -5,51 +5,52 @@
     <p:sldMasterId id="2147484469" r:id="rId4"/>
   </p:sldMasterIdLst>
   <p:notesMasterIdLst>
-    <p:notesMasterId r:id="rId39"/>
+    <p:notesMasterId r:id="rId40"/>
   </p:notesMasterIdLst>
   <p:handoutMasterIdLst>
-    <p:handoutMasterId r:id="rId40"/>
+    <p:handoutMasterId r:id="rId41"/>
   </p:handoutMasterIdLst>
   <p:sldIdLst>
     <p:sldId id="307" r:id="rId5"/>
     <p:sldId id="325" r:id="rId6"/>
     <p:sldId id="344" r:id="rId7"/>
-    <p:sldId id="345" r:id="rId8"/>
+    <p:sldId id="382" r:id="rId8"/>
     <p:sldId id="342" r:id="rId9"/>
     <p:sldId id="378" r:id="rId10"/>
     <p:sldId id="373" r:id="rId11"/>
-    <p:sldId id="319" r:id="rId12"/>
-    <p:sldId id="367" r:id="rId13"/>
-    <p:sldId id="372" r:id="rId14"/>
-    <p:sldId id="328" r:id="rId15"/>
-    <p:sldId id="371" r:id="rId16"/>
-    <p:sldId id="334" r:id="rId17"/>
-    <p:sldId id="365" r:id="rId18"/>
-    <p:sldId id="337" r:id="rId19"/>
-    <p:sldId id="355" r:id="rId20"/>
-    <p:sldId id="346" r:id="rId21"/>
-    <p:sldId id="356" r:id="rId22"/>
-    <p:sldId id="368" r:id="rId23"/>
-    <p:sldId id="369" r:id="rId24"/>
-    <p:sldId id="340" r:id="rId25"/>
-    <p:sldId id="357" r:id="rId26"/>
-    <p:sldId id="354" r:id="rId27"/>
-    <p:sldId id="379" r:id="rId28"/>
-    <p:sldId id="380" r:id="rId29"/>
-    <p:sldId id="381" r:id="rId30"/>
-    <p:sldId id="377" r:id="rId31"/>
-    <p:sldId id="360" r:id="rId32"/>
-    <p:sldId id="358" r:id="rId33"/>
-    <p:sldId id="361" r:id="rId34"/>
-    <p:sldId id="364" r:id="rId35"/>
-    <p:sldId id="324" r:id="rId36"/>
-    <p:sldId id="322" r:id="rId37"/>
-    <p:sldId id="366" r:id="rId38"/>
+    <p:sldId id="383" r:id="rId12"/>
+    <p:sldId id="319" r:id="rId13"/>
+    <p:sldId id="367" r:id="rId14"/>
+    <p:sldId id="372" r:id="rId15"/>
+    <p:sldId id="328" r:id="rId16"/>
+    <p:sldId id="371" r:id="rId17"/>
+    <p:sldId id="334" r:id="rId18"/>
+    <p:sldId id="365" r:id="rId19"/>
+    <p:sldId id="337" r:id="rId20"/>
+    <p:sldId id="355" r:id="rId21"/>
+    <p:sldId id="384" r:id="rId22"/>
+    <p:sldId id="356" r:id="rId23"/>
+    <p:sldId id="368" r:id="rId24"/>
+    <p:sldId id="369" r:id="rId25"/>
+    <p:sldId id="340" r:id="rId26"/>
+    <p:sldId id="357" r:id="rId27"/>
+    <p:sldId id="354" r:id="rId28"/>
+    <p:sldId id="379" r:id="rId29"/>
+    <p:sldId id="380" r:id="rId30"/>
+    <p:sldId id="381" r:id="rId31"/>
+    <p:sldId id="377" r:id="rId32"/>
+    <p:sldId id="360" r:id="rId33"/>
+    <p:sldId id="358" r:id="rId34"/>
+    <p:sldId id="361" r:id="rId35"/>
+    <p:sldId id="364" r:id="rId36"/>
+    <p:sldId id="324" r:id="rId37"/>
+    <p:sldId id="322" r:id="rId38"/>
+    <p:sldId id="366" r:id="rId39"/>
   </p:sldIdLst>
   <p:sldSz cx="9144000" cy="5143500" type="screen16x9"/>
   <p:notesSz cx="7010400" cy="9296400"/>
   <p:custDataLst>
-    <p:tags r:id="rId41"/>
+    <p:tags r:id="rId42"/>
   </p:custDataLst>
   <p:defaultTextStyle>
     <a:defPPr>
@@ -943,7 +944,7 @@
               <a:pPr>
                 <a:defRPr/>
               </a:pPr>
-              <a:t>12</a:t>
+              <a:t>13</a:t>
             </a:fld>
             <a:endParaRPr lang="en-US" dirty="0"/>
           </a:p>
@@ -1033,7 +1034,7 @@
               <a:pPr>
                 <a:defRPr/>
               </a:pPr>
-              <a:t>18</a:t>
+              <a:t>19</a:t>
             </a:fld>
             <a:endParaRPr lang="en-US" dirty="0"/>
           </a:p>
@@ -1123,7 +1124,7 @@
               <a:pPr>
                 <a:defRPr/>
               </a:pPr>
-              <a:t>25</a:t>
+              <a:t>26</a:t>
             </a:fld>
             <a:endParaRPr lang="en-US" dirty="0"/>
           </a:p>
@@ -1213,7 +1214,7 @@
               <a:pPr>
                 <a:defRPr/>
               </a:pPr>
-              <a:t>26</a:t>
+              <a:t>27</a:t>
             </a:fld>
             <a:endParaRPr lang="en-US" dirty="0"/>
           </a:p>
@@ -5645,7 +5646,7 @@
                   <a:schemeClr val="bg1"/>
                 </a:buClr>
               </a:pPr>
-              <a:t>2/22/17</a:t>
+              <a:t>2/23/2017</a:t>
             </a:fld>
             <a:endParaRPr lang="en-US" sz="900" dirty="0" smtClean="0">
               <a:solidFill>
@@ -5719,7 +5720,7 @@
                   <a:schemeClr val="bg1"/>
                 </a:buClr>
               </a:pPr>
-              <a:t>2/22/17</a:t>
+              <a:t>2/23/2017</a:t>
             </a:fld>
             <a:endParaRPr lang="en-US" sz="900" dirty="0" smtClean="0">
               <a:solidFill>
@@ -6811,6 +6812,235 @@
           <a:p>
             <a:r>
               <a:rPr lang="en-US" dirty="0" smtClean="0"/>
+              <a:t>What is a Scheduler?</a:t>
+            </a:r>
+            <a:endParaRPr lang="en-US" dirty="0"/>
+          </a:p>
+        </p:txBody>
+      </p:sp>
+      <p:sp>
+        <p:nvSpPr>
+          <p:cNvPr id="4" name="Content Placeholder 3"/>
+          <p:cNvSpPr>
+            <a:spLocks noGrp="1"/>
+          </p:cNvSpPr>
+          <p:nvPr>
+            <p:ph sz="half" idx="1"/>
+          </p:nvPr>
+        </p:nvSpPr>
+        <p:spPr>
+          <a:xfrm>
+            <a:off x="274319" y="1280159"/>
+            <a:ext cx="4722759" cy="3455361"/>
+          </a:xfrm>
+        </p:spPr>
+        <p:txBody>
+          <a:bodyPr/>
+          <a:lstStyle/>
+          <a:p>
+            <a:r>
+              <a:rPr lang="en-US" dirty="0" smtClean="0"/>
+              <a:t>Fair and efficient workload placement</a:t>
+            </a:r>
+          </a:p>
+          <a:p>
+            <a:r>
+              <a:rPr lang="en-US" dirty="0" smtClean="0"/>
+              <a:t>Adhering to a set of constraints</a:t>
+            </a:r>
+          </a:p>
+          <a:p>
+            <a:r>
+              <a:rPr lang="en-US" dirty="0" smtClean="0"/>
+              <a:t>Quickly (and deterministically) dispatching jobs</a:t>
+            </a:r>
+          </a:p>
+          <a:p>
+            <a:r>
+              <a:rPr lang="en-US" dirty="0" smtClean="0"/>
+              <a:t>Robust and tolerates errors</a:t>
+            </a:r>
+            <a:endParaRPr lang="en-US" dirty="0"/>
+          </a:p>
+        </p:txBody>
+      </p:sp>
+      <p:pic>
+        <p:nvPicPr>
+          <p:cNvPr id="5" name="Content Placeholder 3"/>
+          <p:cNvPicPr>
+            <a:picLocks noChangeAspect="1"/>
+          </p:cNvPicPr>
+          <p:nvPr/>
+        </p:nvPicPr>
+        <p:blipFill>
+          <a:blip r:embed="rId2" cstate="print">
+            <a:extLst>
+              <a:ext uri="{28A0092B-C50C-407E-A947-70E740481C1C}">
+                <a14:useLocalDpi xmlns:a14="http://schemas.microsoft.com/office/drawing/2010/main" val="0"/>
+              </a:ext>
+            </a:extLst>
+          </a:blip>
+          <a:stretch>
+            <a:fillRect/>
+          </a:stretch>
+        </p:blipFill>
+        <p:spPr>
+          <a:xfrm>
+            <a:off x="5151382" y="1796088"/>
+            <a:ext cx="1977659" cy="925544"/>
+          </a:xfrm>
+          <a:prstGeom prst="rect">
+            <a:avLst/>
+          </a:prstGeom>
+        </p:spPr>
+      </p:pic>
+      <p:pic>
+        <p:nvPicPr>
+          <p:cNvPr id="6" name="Picture 5"/>
+          <p:cNvPicPr>
+            <a:picLocks noChangeAspect="1"/>
+          </p:cNvPicPr>
+          <p:nvPr/>
+        </p:nvPicPr>
+        <p:blipFill>
+          <a:blip r:embed="rId3" cstate="print">
+            <a:extLst>
+              <a:ext uri="{28A0092B-C50C-407E-A947-70E740481C1C}">
+                <a14:useLocalDpi xmlns:a14="http://schemas.microsoft.com/office/drawing/2010/main" val="0"/>
+              </a:ext>
+            </a:extLst>
+          </a:blip>
+          <a:stretch>
+            <a:fillRect/>
+          </a:stretch>
+        </p:blipFill>
+        <p:spPr>
+          <a:xfrm>
+            <a:off x="7245263" y="1586064"/>
+            <a:ext cx="1686514" cy="1493770"/>
+          </a:xfrm>
+          <a:prstGeom prst="rect">
+            <a:avLst/>
+          </a:prstGeom>
+        </p:spPr>
+      </p:pic>
+      <p:pic>
+        <p:nvPicPr>
+          <p:cNvPr id="7" name="Picture 6"/>
+          <p:cNvPicPr>
+            <a:picLocks noChangeAspect="1"/>
+          </p:cNvPicPr>
+          <p:nvPr/>
+        </p:nvPicPr>
+        <p:blipFill>
+          <a:blip r:embed="rId4">
+            <a:extLst>
+              <a:ext uri="{28A0092B-C50C-407E-A947-70E740481C1C}">
+                <a14:useLocalDpi xmlns:a14="http://schemas.microsoft.com/office/drawing/2010/main" val="0"/>
+              </a:ext>
+            </a:extLst>
+          </a:blip>
+          <a:stretch>
+            <a:fillRect/>
+          </a:stretch>
+        </p:blipFill>
+        <p:spPr>
+          <a:xfrm>
+            <a:off x="5040964" y="2943319"/>
+            <a:ext cx="2033286" cy="1541481"/>
+          </a:xfrm>
+          <a:prstGeom prst="rect">
+            <a:avLst/>
+          </a:prstGeom>
+        </p:spPr>
+      </p:pic>
+      <p:pic>
+        <p:nvPicPr>
+          <p:cNvPr id="8" name="Picture 7"/>
+          <p:cNvPicPr>
+            <a:picLocks noChangeAspect="1"/>
+          </p:cNvPicPr>
+          <p:nvPr/>
+        </p:nvPicPr>
+        <p:blipFill>
+          <a:blip r:embed="rId5" cstate="print">
+            <a:extLst>
+              <a:ext uri="{28A0092B-C50C-407E-A947-70E740481C1C}">
+                <a14:useLocalDpi xmlns:a14="http://schemas.microsoft.com/office/drawing/2010/main" val="0"/>
+              </a:ext>
+            </a:extLst>
+          </a:blip>
+          <a:stretch>
+            <a:fillRect/>
+          </a:stretch>
+        </p:blipFill>
+        <p:spPr>
+          <a:xfrm>
+            <a:off x="7082006" y="3278780"/>
+            <a:ext cx="1842130" cy="958265"/>
+          </a:xfrm>
+          <a:prstGeom prst="rect">
+            <a:avLst/>
+          </a:prstGeom>
+        </p:spPr>
+      </p:pic>
+    </p:spTree>
+    <p:extLst>
+      <p:ext uri="{BB962C8B-B14F-4D97-AF65-F5344CB8AC3E}">
+        <p14:creationId xmlns:p14="http://schemas.microsoft.com/office/powerpoint/2010/main" val="1888563960"/>
+      </p:ext>
+    </p:extLst>
+  </p:cSld>
+  <p:clrMapOvr>
+    <a:masterClrMapping/>
+  </p:clrMapOvr>
+  <p:transition spd="med">
+    <p:wipe dir="r"/>
+  </p:transition>
+  <p:timing>
+    <p:tnLst>
+      <p:par>
+        <p:cTn id="1" dur="indefinite" restart="never" nodeType="tmRoot"/>
+      </p:par>
+    </p:tnLst>
+  </p:timing>
+</p:sld>
+</file>
+
+<file path=ppt/slides/slide11.xml><?xml version="1.0" encoding="utf-8"?>
+<p:sld xmlns:a="http://schemas.openxmlformats.org/drawingml/2006/main" xmlns:r="http://schemas.openxmlformats.org/officeDocument/2006/relationships" xmlns:p="http://schemas.openxmlformats.org/presentationml/2006/main">
+  <p:cSld>
+    <p:spTree>
+      <p:nvGrpSpPr>
+        <p:cNvPr id="1" name=""/>
+        <p:cNvGrpSpPr/>
+        <p:nvPr/>
+      </p:nvGrpSpPr>
+      <p:grpSpPr>
+        <a:xfrm>
+          <a:off x="0" y="0"/>
+          <a:ext cx="0" cy="0"/>
+          <a:chOff x="0" y="0"/>
+          <a:chExt cx="0" cy="0"/>
+        </a:xfrm>
+      </p:grpSpPr>
+      <p:sp>
+        <p:nvSpPr>
+          <p:cNvPr id="2" name="Title 1"/>
+          <p:cNvSpPr>
+            <a:spLocks noGrp="1"/>
+          </p:cNvSpPr>
+          <p:nvPr>
+            <p:ph type="title"/>
+          </p:nvPr>
+        </p:nvSpPr>
+        <p:spPr/>
+        <p:txBody>
+          <a:bodyPr/>
+          <a:lstStyle/>
+          <a:p>
+            <a:r>
+              <a:rPr lang="en-US" dirty="0" smtClean="0"/>
               <a:t>Scheduling Work</a:t>
             </a:r>
             <a:endParaRPr lang="en-US" dirty="0"/>
@@ -7006,7 +7236,7 @@
 </p:sld>
 </file>
 
-<file path=ppt/slides/slide11.xml><?xml version="1.0" encoding="utf-8"?>
+<file path=ppt/slides/slide12.xml><?xml version="1.0" encoding="utf-8"?>
 <p:sld xmlns:a="http://schemas.openxmlformats.org/drawingml/2006/main" xmlns:r="http://schemas.openxmlformats.org/officeDocument/2006/relationships" xmlns:p="http://schemas.openxmlformats.org/presentationml/2006/main">
   <p:cSld>
     <p:spTree>
@@ -7182,7 +7412,7 @@
 </p:sld>
 </file>
 
-<file path=ppt/slides/slide12.xml><?xml version="1.0" encoding="utf-8"?>
+<file path=ppt/slides/slide13.xml><?xml version="1.0" encoding="utf-8"?>
 <p:sld xmlns:a="http://schemas.openxmlformats.org/drawingml/2006/main" xmlns:r="http://schemas.openxmlformats.org/officeDocument/2006/relationships" xmlns:p="http://schemas.openxmlformats.org/presentationml/2006/main">
   <p:cSld>
     <p:spTree>
@@ -7274,7 +7504,7 @@
 </p:sld>
 </file>
 
-<file path=ppt/slides/slide13.xml><?xml version="1.0" encoding="utf-8"?>
+<file path=ppt/slides/slide14.xml><?xml version="1.0" encoding="utf-8"?>
 <p:sld xmlns:a="http://schemas.openxmlformats.org/drawingml/2006/main" xmlns:r="http://schemas.openxmlformats.org/officeDocument/2006/relationships" xmlns:p="http://schemas.openxmlformats.org/presentationml/2006/main">
   <p:cSld>
     <p:spTree>
@@ -8063,7 +8293,7 @@
 </p:sld>
 </file>
 
-<file path=ppt/slides/slide14.xml><?xml version="1.0" encoding="utf-8"?>
+<file path=ppt/slides/slide15.xml><?xml version="1.0" encoding="utf-8"?>
 <p:sld xmlns:a="http://schemas.openxmlformats.org/drawingml/2006/main" xmlns:r="http://schemas.openxmlformats.org/officeDocument/2006/relationships" xmlns:p="http://schemas.openxmlformats.org/presentationml/2006/main">
   <p:cSld>
     <p:spTree>
@@ -8155,7 +8385,7 @@
 </p:sld>
 </file>
 
-<file path=ppt/slides/slide15.xml><?xml version="1.0" encoding="utf-8"?>
+<file path=ppt/slides/slide16.xml><?xml version="1.0" encoding="utf-8"?>
 <p:sld xmlns:a="http://schemas.openxmlformats.org/drawingml/2006/main" xmlns:r="http://schemas.openxmlformats.org/officeDocument/2006/relationships" xmlns:p="http://schemas.openxmlformats.org/presentationml/2006/main">
   <p:cSld>
     <p:spTree>
@@ -8225,7 +8455,7 @@
 </p:sld>
 </file>
 
-<file path=ppt/slides/slide16.xml><?xml version="1.0" encoding="utf-8"?>
+<file path=ppt/slides/slide17.xml><?xml version="1.0" encoding="utf-8"?>
 <p:sld xmlns:a="http://schemas.openxmlformats.org/drawingml/2006/main" xmlns:r="http://schemas.openxmlformats.org/officeDocument/2006/relationships" xmlns:p="http://schemas.openxmlformats.org/presentationml/2006/main">
   <p:cSld>
     <p:spTree>
@@ -8377,7 +8607,7 @@
 </p:sld>
 </file>
 
-<file path=ppt/slides/slide17.xml><?xml version="1.0" encoding="utf-8"?>
+<file path=ppt/slides/slide18.xml><?xml version="1.0" encoding="utf-8"?>
 <p:sld xmlns:a="http://schemas.openxmlformats.org/drawingml/2006/main" xmlns:r="http://schemas.openxmlformats.org/officeDocument/2006/relationships" xmlns:p="http://schemas.openxmlformats.org/presentationml/2006/main">
   <p:cSld>
     <p:spTree>
@@ -8430,9 +8660,15 @@
         <p:spPr/>
         <p:txBody>
           <a:bodyPr>
-            <a:normAutofit lnSpcReduction="10000"/>
+            <a:normAutofit fontScale="92500" lnSpcReduction="20000"/>
           </a:bodyPr>
           <a:lstStyle/>
+          <a:p>
+            <a:r>
+              <a:rPr lang="en-US" dirty="0" smtClean="0"/>
+              <a:t>Software-based Storage Platform</a:t>
+            </a:r>
+          </a:p>
           <a:p>
             <a:r>
               <a:rPr lang="en-US" dirty="0" smtClean="0"/>
@@ -8505,7 +8741,7 @@
         </p:blipFill>
         <p:spPr>
           <a:xfrm>
-            <a:off x="4608513" y="1473200"/>
+            <a:off x="4114526" y="1799021"/>
             <a:ext cx="3810000" cy="1231900"/>
           </a:xfrm>
           <a:prstGeom prst="rect">
@@ -8516,7 +8752,7 @@
     </p:spTree>
     <p:extLst>
       <p:ext uri="{BB962C8B-B14F-4D97-AF65-F5344CB8AC3E}">
-        <p14:creationId xmlns:p14="http://schemas.microsoft.com/office/powerpoint/2010/main" val="2146524078"/>
+        <p14:creationId xmlns:p14="http://schemas.microsoft.com/office/powerpoint/2010/main" val="1503584173"/>
       </p:ext>
     </p:extLst>
   </p:cSld>
@@ -8536,7 +8772,7 @@
 </p:sld>
 </file>
 
-<file path=ppt/slides/slide18.xml><?xml version="1.0" encoding="utf-8"?>
+<file path=ppt/slides/slide19.xml><?xml version="1.0" encoding="utf-8"?>
 <p:sld xmlns:a="http://schemas.openxmlformats.org/drawingml/2006/main" xmlns:r="http://schemas.openxmlformats.org/officeDocument/2006/relationships" xmlns:p="http://schemas.openxmlformats.org/presentationml/2006/main">
   <p:cSld>
     <p:spTree>
@@ -8929,7 +9165,129 @@
 </p:sld>
 </file>
 
-<file path=ppt/slides/slide19.xml><?xml version="1.0" encoding="utf-8"?>
+<file path=ppt/slides/slide2.xml><?xml version="1.0" encoding="utf-8"?>
+<p:sld xmlns:a="http://schemas.openxmlformats.org/drawingml/2006/main" xmlns:r="http://schemas.openxmlformats.org/officeDocument/2006/relationships" xmlns:p="http://schemas.openxmlformats.org/presentationml/2006/main">
+  <p:cSld>
+    <p:spTree>
+      <p:nvGrpSpPr>
+        <p:cNvPr id="1" name=""/>
+        <p:cNvGrpSpPr/>
+        <p:nvPr/>
+      </p:nvGrpSpPr>
+      <p:grpSpPr>
+        <a:xfrm>
+          <a:off x="0" y="0"/>
+          <a:ext cx="0" cy="0"/>
+          <a:chOff x="0" y="0"/>
+          <a:chExt cx="0" cy="0"/>
+        </a:xfrm>
+      </p:grpSpPr>
+      <p:sp>
+        <p:nvSpPr>
+          <p:cNvPr id="2" name="Title 1"/>
+          <p:cNvSpPr>
+            <a:spLocks noGrp="1"/>
+          </p:cNvSpPr>
+          <p:nvPr>
+            <p:ph type="title"/>
+          </p:nvPr>
+        </p:nvSpPr>
+        <p:spPr/>
+        <p:txBody>
+          <a:bodyPr/>
+          <a:lstStyle/>
+          <a:p>
+            <a:r>
+              <a:rPr lang="en-US" dirty="0" smtClean="0"/>
+              <a:t>Agenda</a:t>
+            </a:r>
+            <a:endParaRPr lang="en-US" dirty="0"/>
+          </a:p>
+        </p:txBody>
+      </p:sp>
+      <p:sp>
+        <p:nvSpPr>
+          <p:cNvPr id="4" name="Content Placeholder 3"/>
+          <p:cNvSpPr>
+            <a:spLocks noGrp="1"/>
+          </p:cNvSpPr>
+          <p:nvPr>
+            <p:ph sz="half" idx="1"/>
+          </p:nvPr>
+        </p:nvSpPr>
+        <p:spPr/>
+        <p:txBody>
+          <a:bodyPr/>
+          <a:lstStyle/>
+          <a:p>
+            <a:r>
+              <a:rPr lang="en-US" dirty="0" smtClean="0"/>
+              <a:t>Review of Software-Defined Storage</a:t>
+            </a:r>
+          </a:p>
+          <a:p>
+            <a:r>
+              <a:rPr lang="en-US" dirty="0" smtClean="0"/>
+              <a:t>Container Schedulers</a:t>
+            </a:r>
+          </a:p>
+          <a:p>
+            <a:r>
+              <a:rPr lang="en-US" dirty="0"/>
+              <a:t>Schedulers </a:t>
+            </a:r>
+            <a:r>
+              <a:rPr lang="en-US" dirty="0" smtClean="0"/>
+              <a:t>+ </a:t>
+            </a:r>
+            <a:r>
+              <a:rPr lang="en-US" dirty="0"/>
+              <a:t>Software-Defined </a:t>
+            </a:r>
+            <a:r>
+              <a:rPr lang="en-US" dirty="0" smtClean="0"/>
+              <a:t>Storage = Awesome!</a:t>
+            </a:r>
+          </a:p>
+          <a:p>
+            <a:r>
+              <a:rPr lang="en-US" dirty="0" smtClean="0"/>
+              <a:t>To the Cloud!!</a:t>
+            </a:r>
+          </a:p>
+          <a:p>
+            <a:r>
+              <a:rPr lang="en-US" dirty="0" smtClean="0"/>
+              <a:t>Demo</a:t>
+            </a:r>
+            <a:endParaRPr lang="en-US" dirty="0"/>
+          </a:p>
+        </p:txBody>
+      </p:sp>
+    </p:spTree>
+    <p:extLst>
+      <p:ext uri="{BB962C8B-B14F-4D97-AF65-F5344CB8AC3E}">
+        <p14:creationId xmlns:p14="http://schemas.microsoft.com/office/powerpoint/2010/main" val="1894828202"/>
+      </p:ext>
+    </p:extLst>
+  </p:cSld>
+  <p:clrMapOvr>
+    <a:masterClrMapping/>
+  </p:clrMapOvr>
+  <p:transition spd="med">
+    <p:wipe dir="r"/>
+  </p:transition>
+  <p:timing>
+    <p:tnLst>
+      <p:par>
+        <p:cTn id="1" dur="indefinite" restart="never" nodeType="tmRoot"/>
+      </p:par>
+    </p:tnLst>
+  </p:timing>
+</p:sld>
+</file>
+
+<file path=ppt/slides/slide20.xml><?xml version="1.0" encoding="utf-8"?>
 <p:sld xmlns:a="http://schemas.openxmlformats.org/drawingml/2006/main" xmlns:r="http://schemas.openxmlformats.org/officeDocument/2006/relationships" xmlns:p="http://schemas.openxmlformats.org/presentationml/2006/main">
   <p:cSld>
     <p:spTree>
@@ -9058,129 +9416,7 @@
 </p:sld>
 </file>
 
-<file path=ppt/slides/slide2.xml><?xml version="1.0" encoding="utf-8"?>
-<p:sld xmlns:a="http://schemas.openxmlformats.org/drawingml/2006/main" xmlns:r="http://schemas.openxmlformats.org/officeDocument/2006/relationships" xmlns:p="http://schemas.openxmlformats.org/presentationml/2006/main">
-  <p:cSld>
-    <p:spTree>
-      <p:nvGrpSpPr>
-        <p:cNvPr id="1" name=""/>
-        <p:cNvGrpSpPr/>
-        <p:nvPr/>
-      </p:nvGrpSpPr>
-      <p:grpSpPr>
-        <a:xfrm>
-          <a:off x="0" y="0"/>
-          <a:ext cx="0" cy="0"/>
-          <a:chOff x="0" y="0"/>
-          <a:chExt cx="0" cy="0"/>
-        </a:xfrm>
-      </p:grpSpPr>
-      <p:sp>
-        <p:nvSpPr>
-          <p:cNvPr id="2" name="Title 1"/>
-          <p:cNvSpPr>
-            <a:spLocks noGrp="1"/>
-          </p:cNvSpPr>
-          <p:nvPr>
-            <p:ph type="title"/>
-          </p:nvPr>
-        </p:nvSpPr>
-        <p:spPr/>
-        <p:txBody>
-          <a:bodyPr/>
-          <a:lstStyle/>
-          <a:p>
-            <a:r>
-              <a:rPr lang="en-US" dirty="0" smtClean="0"/>
-              <a:t>Agenda</a:t>
-            </a:r>
-            <a:endParaRPr lang="en-US" dirty="0"/>
-          </a:p>
-        </p:txBody>
-      </p:sp>
-      <p:sp>
-        <p:nvSpPr>
-          <p:cNvPr id="4" name="Content Placeholder 3"/>
-          <p:cNvSpPr>
-            <a:spLocks noGrp="1"/>
-          </p:cNvSpPr>
-          <p:nvPr>
-            <p:ph sz="half" idx="1"/>
-          </p:nvPr>
-        </p:nvSpPr>
-        <p:spPr/>
-        <p:txBody>
-          <a:bodyPr/>
-          <a:lstStyle/>
-          <a:p>
-            <a:r>
-              <a:rPr lang="en-US" dirty="0" smtClean="0"/>
-              <a:t>Review of Software-Defined Storage</a:t>
-            </a:r>
-          </a:p>
-          <a:p>
-            <a:r>
-              <a:rPr lang="en-US" dirty="0" smtClean="0"/>
-              <a:t>Container Schedulers</a:t>
-            </a:r>
-          </a:p>
-          <a:p>
-            <a:r>
-              <a:rPr lang="en-US" dirty="0"/>
-              <a:t>Schedulers </a:t>
-            </a:r>
-            <a:r>
-              <a:rPr lang="en-US" dirty="0" smtClean="0"/>
-              <a:t>+ </a:t>
-            </a:r>
-            <a:r>
-              <a:rPr lang="en-US" dirty="0"/>
-              <a:t>Software-Defined </a:t>
-            </a:r>
-            <a:r>
-              <a:rPr lang="en-US" dirty="0" smtClean="0"/>
-              <a:t>Storage = Awesome!</a:t>
-            </a:r>
-          </a:p>
-          <a:p>
-            <a:r>
-              <a:rPr lang="en-US" dirty="0" smtClean="0"/>
-              <a:t>To the Cloud!!</a:t>
-            </a:r>
-          </a:p>
-          <a:p>
-            <a:r>
-              <a:rPr lang="en-US" dirty="0" smtClean="0"/>
-              <a:t>Demo</a:t>
-            </a:r>
-            <a:endParaRPr lang="en-US" dirty="0"/>
-          </a:p>
-        </p:txBody>
-      </p:sp>
-    </p:spTree>
-    <p:extLst>
-      <p:ext uri="{BB962C8B-B14F-4D97-AF65-F5344CB8AC3E}">
-        <p14:creationId xmlns:p14="http://schemas.microsoft.com/office/powerpoint/2010/main" val="1894828202"/>
-      </p:ext>
-    </p:extLst>
-  </p:cSld>
-  <p:clrMapOvr>
-    <a:masterClrMapping/>
-  </p:clrMapOvr>
-  <p:transition spd="med">
-    <p:wipe dir="r"/>
-  </p:transition>
-  <p:timing>
-    <p:tnLst>
-      <p:par>
-        <p:cTn id="1" dur="indefinite" restart="never" nodeType="tmRoot"/>
-      </p:par>
-    </p:tnLst>
-  </p:timing>
-</p:sld>
-</file>
-
-<file path=ppt/slides/slide20.xml><?xml version="1.0" encoding="utf-8"?>
+<file path=ppt/slides/slide21.xml><?xml version="1.0" encoding="utf-8"?>
 <p:sld xmlns:a="http://schemas.openxmlformats.org/drawingml/2006/main" xmlns:r="http://schemas.openxmlformats.org/officeDocument/2006/relationships" xmlns:p="http://schemas.openxmlformats.org/presentationml/2006/main">
   <p:cSld>
     <p:spTree>
@@ -10027,7 +10263,7 @@
 </p:sld>
 </file>
 
-<file path=ppt/slides/slide21.xml><?xml version="1.0" encoding="utf-8"?>
+<file path=ppt/slides/slide22.xml><?xml version="1.0" encoding="utf-8"?>
 <p:sld xmlns:a="http://schemas.openxmlformats.org/drawingml/2006/main" xmlns:r="http://schemas.openxmlformats.org/officeDocument/2006/relationships" xmlns:p="http://schemas.openxmlformats.org/presentationml/2006/main">
   <p:cSld>
     <p:spTree>
@@ -10262,7 +10498,7 @@
 </p:sld>
 </file>
 
-<file path=ppt/slides/slide22.xml><?xml version="1.0" encoding="utf-8"?>
+<file path=ppt/slides/slide23.xml><?xml version="1.0" encoding="utf-8"?>
 <p:sld xmlns:a="http://schemas.openxmlformats.org/drawingml/2006/main" xmlns:r="http://schemas.openxmlformats.org/officeDocument/2006/relationships" xmlns:p="http://schemas.openxmlformats.org/presentationml/2006/main">
   <p:cSld>
     <p:spTree>
@@ -10432,7 +10668,7 @@
 </p:sld>
 </file>
 
-<file path=ppt/slides/slide23.xml><?xml version="1.0" encoding="utf-8"?>
+<file path=ppt/slides/slide24.xml><?xml version="1.0" encoding="utf-8"?>
 <p:sld xmlns:a="http://schemas.openxmlformats.org/drawingml/2006/main" xmlns:r="http://schemas.openxmlformats.org/officeDocument/2006/relationships" xmlns:p="http://schemas.openxmlformats.org/presentationml/2006/main">
   <p:cSld>
     <p:spTree>
@@ -10501,7 +10737,7 @@
 </p:sld>
 </file>
 
-<file path=ppt/slides/slide24.xml><?xml version="1.0" encoding="utf-8"?>
+<file path=ppt/slides/slide25.xml><?xml version="1.0" encoding="utf-8"?>
 <p:sld xmlns:a="http://schemas.openxmlformats.org/drawingml/2006/main" xmlns:r="http://schemas.openxmlformats.org/officeDocument/2006/relationships" xmlns:p="http://schemas.openxmlformats.org/presentationml/2006/main">
   <p:cSld>
     <p:spTree>
@@ -10635,7 +10871,7 @@
 </p:sld>
 </file>
 
-<file path=ppt/slides/slide25.xml><?xml version="1.0" encoding="utf-8"?>
+<file path=ppt/slides/slide26.xml><?xml version="1.0" encoding="utf-8"?>
 <p:sld xmlns:a="http://schemas.openxmlformats.org/drawingml/2006/main" xmlns:r="http://schemas.openxmlformats.org/officeDocument/2006/relationships" xmlns:p="http://schemas.openxmlformats.org/presentationml/2006/main">
   <p:cSld>
     <p:spTree>
@@ -10775,7 +11011,7 @@
 </p:sld>
 </file>
 
-<file path=ppt/slides/slide26.xml><?xml version="1.0" encoding="utf-8"?>
+<file path=ppt/slides/slide27.xml><?xml version="1.0" encoding="utf-8"?>
 <p:sld xmlns:a="http://schemas.openxmlformats.org/drawingml/2006/main" xmlns:r="http://schemas.openxmlformats.org/officeDocument/2006/relationships" xmlns:p="http://schemas.openxmlformats.org/presentationml/2006/main">
   <p:cSld>
     <p:spTree>
@@ -10947,7 +11183,7 @@
 </p:sld>
 </file>
 
-<file path=ppt/slides/slide27.xml><?xml version="1.0" encoding="utf-8"?>
+<file path=ppt/slides/slide28.xml><?xml version="1.0" encoding="utf-8"?>
 <p:sld xmlns:a="http://schemas.openxmlformats.org/drawingml/2006/main" xmlns:r="http://schemas.openxmlformats.org/officeDocument/2006/relationships" xmlns:p="http://schemas.openxmlformats.org/presentationml/2006/main">
   <p:cSld>
     <p:spTree>
@@ -11043,71 +11279,6 @@
     <p:extLst>
       <p:ext uri="{BB962C8B-B14F-4D97-AF65-F5344CB8AC3E}">
         <p14:creationId xmlns:p14="http://schemas.microsoft.com/office/powerpoint/2010/main" val="1020661597"/>
-      </p:ext>
-    </p:extLst>
-  </p:cSld>
-  <p:clrMapOvr>
-    <a:masterClrMapping/>
-  </p:clrMapOvr>
-  <p:transition spd="med">
-    <p:wipe dir="r"/>
-  </p:transition>
-  <p:timing>
-    <p:tnLst>
-      <p:par>
-        <p:cTn id="1" dur="indefinite" restart="never" nodeType="tmRoot"/>
-      </p:par>
-    </p:tnLst>
-  </p:timing>
-</p:sld>
-</file>
-
-<file path=ppt/slides/slide28.xml><?xml version="1.0" encoding="utf-8"?>
-<p:sld xmlns:a="http://schemas.openxmlformats.org/drawingml/2006/main" xmlns:r="http://schemas.openxmlformats.org/officeDocument/2006/relationships" xmlns:p="http://schemas.openxmlformats.org/presentationml/2006/main">
-  <p:cSld>
-    <p:spTree>
-      <p:nvGrpSpPr>
-        <p:cNvPr id="1" name=""/>
-        <p:cNvGrpSpPr/>
-        <p:nvPr/>
-      </p:nvGrpSpPr>
-      <p:grpSpPr>
-        <a:xfrm>
-          <a:off x="0" y="0"/>
-          <a:ext cx="0" cy="0"/>
-          <a:chOff x="0" y="0"/>
-          <a:chExt cx="0" cy="0"/>
-        </a:xfrm>
-      </p:grpSpPr>
-      <p:sp>
-        <p:nvSpPr>
-          <p:cNvPr id="2" name="Title 1"/>
-          <p:cNvSpPr>
-            <a:spLocks noGrp="1"/>
-          </p:cNvSpPr>
-          <p:nvPr>
-            <p:ph type="title"/>
-          </p:nvPr>
-        </p:nvSpPr>
-        <p:spPr/>
-        <p:txBody>
-          <a:bodyPr>
-            <a:normAutofit/>
-          </a:bodyPr>
-          <a:lstStyle/>
-          <a:p>
-            <a:r>
-              <a:rPr lang="en-US" dirty="0" smtClean="0"/>
-              <a:t>Demo</a:t>
-            </a:r>
-            <a:endParaRPr lang="en-US" dirty="0"/>
-          </a:p>
-        </p:txBody>
-      </p:sp>
-    </p:spTree>
-    <p:extLst>
-      <p:ext uri="{BB962C8B-B14F-4D97-AF65-F5344CB8AC3E}">
-        <p14:creationId xmlns:p14="http://schemas.microsoft.com/office/powerpoint/2010/main" val="1076951828"/>
       </p:ext>
     </p:extLst>
   </p:cSld>
@@ -11156,29 +11327,6 @@
         </p:nvSpPr>
         <p:spPr/>
         <p:txBody>
-          <a:bodyPr/>
-          <a:lstStyle/>
-          <a:p>
-            <a:r>
-              <a:rPr lang="en-US" dirty="0" smtClean="0"/>
-              <a:t>Configuration</a:t>
-            </a:r>
-            <a:endParaRPr lang="en-US" dirty="0"/>
-          </a:p>
-        </p:txBody>
-      </p:sp>
-      <p:sp>
-        <p:nvSpPr>
-          <p:cNvPr id="4" name="Content Placeholder 3"/>
-          <p:cNvSpPr>
-            <a:spLocks noGrp="1"/>
-          </p:cNvSpPr>
-          <p:nvPr>
-            <p:ph sz="half" idx="1"/>
-          </p:nvPr>
-        </p:nvSpPr>
-        <p:spPr/>
-        <p:txBody>
           <a:bodyPr>
             <a:normAutofit/>
           </a:bodyPr>
@@ -11186,77 +11334,16 @@
           <a:p>
             <a:r>
               <a:rPr lang="en-US" dirty="0" smtClean="0"/>
-              <a:t>Mesos Configuration</a:t>
-            </a:r>
-          </a:p>
-          <a:p>
-            <a:pPr lvl="1"/>
-            <a:r>
-              <a:rPr lang="en-US" dirty="0" smtClean="0"/>
-              <a:t>3 Node Mesos Cluster (Management)</a:t>
-            </a:r>
-          </a:p>
-          <a:p>
-            <a:pPr lvl="1"/>
-            <a:r>
-              <a:rPr lang="en-US" dirty="0"/>
-              <a:t>3</a:t>
-            </a:r>
-            <a:r>
-              <a:rPr lang="en-US" dirty="0" smtClean="0"/>
-              <a:t> Mesos Agent nodes (Compute)</a:t>
-            </a:r>
-          </a:p>
-          <a:p>
-            <a:r>
-              <a:rPr lang="en-US" dirty="0" smtClean="0"/>
-              <a:t>ScaleIO Cluster (Scale-out storage)</a:t>
-            </a:r>
-          </a:p>
-          <a:p>
-            <a:pPr lvl="1"/>
-            <a:r>
-              <a:rPr lang="en-US" dirty="0" smtClean="0"/>
-              <a:t>Will install on top of 3 Mesos Agent nodes</a:t>
-            </a:r>
-          </a:p>
-          <a:p>
-            <a:pPr lvl="1"/>
-            <a:r>
-              <a:rPr lang="en-US" dirty="0" smtClean="0"/>
-              <a:t>180 GB local disks on </a:t>
-            </a:r>
-            <a:r>
-              <a:rPr lang="en-US" u="sng" dirty="0" smtClean="0"/>
-              <a:t>each</a:t>
-            </a:r>
-            <a:r>
-              <a:rPr lang="en-US" dirty="0" smtClean="0"/>
-              <a:t> node to make up this </a:t>
-            </a:r>
-            <a:r>
-              <a:rPr lang="en-US" dirty="0"/>
-              <a:t>S</a:t>
-            </a:r>
-            <a:r>
-              <a:rPr lang="en-US" dirty="0" smtClean="0"/>
-              <a:t>torage </a:t>
-            </a:r>
-            <a:r>
-              <a:rPr lang="en-US" dirty="0"/>
-              <a:t>P</a:t>
-            </a:r>
-            <a:r>
-              <a:rPr lang="en-US" dirty="0" smtClean="0"/>
-              <a:t>ool</a:t>
-            </a:r>
+              <a:t>Demo</a:t>
+            </a:r>
+            <a:endParaRPr lang="en-US" dirty="0"/>
           </a:p>
         </p:txBody>
       </p:sp>
     </p:spTree>
     <p:extLst>
       <p:ext uri="{BB962C8B-B14F-4D97-AF65-F5344CB8AC3E}">
-        <p14:creationId xmlns:p14="http://schemas.microsoft.com/office/powerpoint/2010/main" val="803194016"/>
+        <p14:creationId xmlns:p14="http://schemas.microsoft.com/office/powerpoint/2010/main" val="1076951828"/>
       </p:ext>
     </p:extLst>
   </p:cSld>
@@ -11387,6 +11474,155 @@
           <a:p>
             <a:r>
               <a:rPr lang="en-US" dirty="0" smtClean="0"/>
+              <a:t>Configuration</a:t>
+            </a:r>
+            <a:endParaRPr lang="en-US" dirty="0"/>
+          </a:p>
+        </p:txBody>
+      </p:sp>
+      <p:sp>
+        <p:nvSpPr>
+          <p:cNvPr id="4" name="Content Placeholder 3"/>
+          <p:cNvSpPr>
+            <a:spLocks noGrp="1"/>
+          </p:cNvSpPr>
+          <p:nvPr>
+            <p:ph sz="half" idx="1"/>
+          </p:nvPr>
+        </p:nvSpPr>
+        <p:spPr/>
+        <p:txBody>
+          <a:bodyPr>
+            <a:normAutofit/>
+          </a:bodyPr>
+          <a:lstStyle/>
+          <a:p>
+            <a:r>
+              <a:rPr lang="en-US" dirty="0" smtClean="0"/>
+              <a:t>Mesos Configuration</a:t>
+            </a:r>
+          </a:p>
+          <a:p>
+            <a:pPr lvl="1"/>
+            <a:r>
+              <a:rPr lang="en-US" dirty="0" smtClean="0"/>
+              <a:t>3 Node Mesos Cluster (Management)</a:t>
+            </a:r>
+          </a:p>
+          <a:p>
+            <a:pPr lvl="1"/>
+            <a:r>
+              <a:rPr lang="en-US" dirty="0"/>
+              <a:t>3</a:t>
+            </a:r>
+            <a:r>
+              <a:rPr lang="en-US" dirty="0" smtClean="0"/>
+              <a:t> Mesos Agent nodes (Compute)</a:t>
+            </a:r>
+          </a:p>
+          <a:p>
+            <a:r>
+              <a:rPr lang="en-US" dirty="0" smtClean="0"/>
+              <a:t>ScaleIO Cluster (Scale-out storage)</a:t>
+            </a:r>
+          </a:p>
+          <a:p>
+            <a:pPr lvl="1"/>
+            <a:r>
+              <a:rPr lang="en-US" dirty="0" smtClean="0"/>
+              <a:t>Will install on top of 3 Mesos Agent nodes</a:t>
+            </a:r>
+          </a:p>
+          <a:p>
+            <a:pPr lvl="1"/>
+            <a:r>
+              <a:rPr lang="en-US" dirty="0" smtClean="0"/>
+              <a:t>180 GB local disks on </a:t>
+            </a:r>
+            <a:r>
+              <a:rPr lang="en-US" u="sng" dirty="0" smtClean="0"/>
+              <a:t>each</a:t>
+            </a:r>
+            <a:r>
+              <a:rPr lang="en-US" dirty="0" smtClean="0"/>
+              <a:t> node to make up this </a:t>
+            </a:r>
+            <a:r>
+              <a:rPr lang="en-US" dirty="0"/>
+              <a:t>S</a:t>
+            </a:r>
+            <a:r>
+              <a:rPr lang="en-US" dirty="0" smtClean="0"/>
+              <a:t>torage </a:t>
+            </a:r>
+            <a:r>
+              <a:rPr lang="en-US" dirty="0"/>
+              <a:t>P</a:t>
+            </a:r>
+            <a:r>
+              <a:rPr lang="en-US" dirty="0" smtClean="0"/>
+              <a:t>ool</a:t>
+            </a:r>
+          </a:p>
+        </p:txBody>
+      </p:sp>
+    </p:spTree>
+    <p:extLst>
+      <p:ext uri="{BB962C8B-B14F-4D97-AF65-F5344CB8AC3E}">
+        <p14:creationId xmlns:p14="http://schemas.microsoft.com/office/powerpoint/2010/main" val="803194016"/>
+      </p:ext>
+    </p:extLst>
+  </p:cSld>
+  <p:clrMapOvr>
+    <a:masterClrMapping/>
+  </p:clrMapOvr>
+  <p:transition spd="med">
+    <p:wipe dir="r"/>
+  </p:transition>
+  <p:timing>
+    <p:tnLst>
+      <p:par>
+        <p:cTn id="1" dur="indefinite" restart="never" nodeType="tmRoot"/>
+      </p:par>
+    </p:tnLst>
+  </p:timing>
+</p:sld>
+</file>
+
+<file path=ppt/slides/slide31.xml><?xml version="1.0" encoding="utf-8"?>
+<p:sld xmlns:a="http://schemas.openxmlformats.org/drawingml/2006/main" xmlns:r="http://schemas.openxmlformats.org/officeDocument/2006/relationships" xmlns:p="http://schemas.openxmlformats.org/presentationml/2006/main">
+  <p:cSld>
+    <p:spTree>
+      <p:nvGrpSpPr>
+        <p:cNvPr id="1" name=""/>
+        <p:cNvGrpSpPr/>
+        <p:nvPr/>
+      </p:nvGrpSpPr>
+      <p:grpSpPr>
+        <a:xfrm>
+          <a:off x="0" y="0"/>
+          <a:ext cx="0" cy="0"/>
+          <a:chOff x="0" y="0"/>
+          <a:chExt cx="0" cy="0"/>
+        </a:xfrm>
+      </p:grpSpPr>
+      <p:sp>
+        <p:nvSpPr>
+          <p:cNvPr id="2" name="Title 1"/>
+          <p:cNvSpPr>
+            <a:spLocks noGrp="1"/>
+          </p:cNvSpPr>
+          <p:nvPr>
+            <p:ph type="title"/>
+          </p:nvPr>
+        </p:nvSpPr>
+        <p:spPr/>
+        <p:txBody>
+          <a:bodyPr/>
+          <a:lstStyle/>
+          <a:p>
+            <a:r>
+              <a:rPr lang="en-US" dirty="0" smtClean="0"/>
               <a:t>Configuration (Cont.)</a:t>
             </a:r>
             <a:endParaRPr lang="en-US" dirty="0"/>
@@ -11504,7 +11740,7 @@
 </p:sld>
 </file>
 
-<file path=ppt/slides/slide31.xml><?xml version="1.0" encoding="utf-8"?>
+<file path=ppt/slides/slide32.xml><?xml version="1.0" encoding="utf-8"?>
 <p:sld xmlns:a="http://schemas.openxmlformats.org/drawingml/2006/main" xmlns:r="http://schemas.openxmlformats.org/officeDocument/2006/relationships" xmlns:p="http://schemas.openxmlformats.org/presentationml/2006/main">
   <p:cSld>
     <p:spTree>
@@ -14002,7 +14238,7 @@
 </p:sld>
 </file>
 
-<file path=ppt/slides/slide32.xml><?xml version="1.0" encoding="utf-8"?>
+<file path=ppt/slides/slide33.xml><?xml version="1.0" encoding="utf-8"?>
 <p:sld xmlns:a="http://schemas.openxmlformats.org/drawingml/2006/main" xmlns:r="http://schemas.openxmlformats.org/officeDocument/2006/relationships" xmlns:p="http://schemas.openxmlformats.org/presentationml/2006/main">
   <p:cSld>
     <p:spTree>
@@ -14042,7 +14278,7 @@
 </p:sld>
 </file>
 
-<file path=ppt/slides/slide33.xml><?xml version="1.0" encoding="utf-8"?>
+<file path=ppt/slides/slide34.xml><?xml version="1.0" encoding="utf-8"?>
 <p:sld xmlns:a="http://schemas.openxmlformats.org/drawingml/2006/main" xmlns:r="http://schemas.openxmlformats.org/officeDocument/2006/relationships" xmlns:p="http://schemas.openxmlformats.org/presentationml/2006/main">
   <p:cSld>
     <p:spTree>
@@ -14082,7 +14318,7 @@
 </p:sld>
 </file>
 
-<file path=ppt/slides/slide34.xml><?xml version="1.0" encoding="utf-8"?>
+<file path=ppt/slides/slide35.xml><?xml version="1.0" encoding="utf-8"?>
 <p:sld xmlns:a="http://schemas.openxmlformats.org/drawingml/2006/main" xmlns:r="http://schemas.openxmlformats.org/officeDocument/2006/relationships" xmlns:p="http://schemas.openxmlformats.org/presentationml/2006/main" show="0">
   <p:cSld>
     <p:spTree>
@@ -14189,13 +14425,6 @@
             </a:r>
           </a:p>
           <a:p>
-            <a:pPr lvl="1"/>
-            <a:r>
-              <a:rPr lang="en-US" dirty="0" smtClean="0"/>
-              <a:t>Installed software versus Physical Storage Arrays</a:t>
-            </a:r>
-          </a:p>
-          <a:p>
             <a:r>
               <a:rPr lang="en-US" dirty="0" smtClean="0"/>
               <a:t>Provides a (programmatic) mechanism to provision storage</a:t>
@@ -14204,20 +14433,21 @@
           <a:p>
             <a:r>
               <a:rPr lang="en-US" dirty="0" smtClean="0"/>
-              <a:t>Varying degrees of SDS: NFS, </a:t>
-            </a:r>
-            <a:r>
-              <a:rPr lang="en-US" smtClean="0"/>
-              <a:t>VMware VSAN</a:t>
-            </a:r>
-            <a:endParaRPr lang="en-US" dirty="0" smtClean="0"/>
+              <a:t>Varying degrees of SDS: NFS, VMware VSAN</a:t>
+            </a:r>
+          </a:p>
+          <a:p>
+            <a:r>
+              <a:rPr lang="en-US" dirty="0" smtClean="0"/>
+              <a:t>NFS, VSAN are Software-based Storage Platforms!</a:t>
+            </a:r>
           </a:p>
         </p:txBody>
       </p:sp>
     </p:spTree>
     <p:extLst>
       <p:ext uri="{BB962C8B-B14F-4D97-AF65-F5344CB8AC3E}">
-        <p14:creationId xmlns:p14="http://schemas.microsoft.com/office/powerpoint/2010/main" val="214222453"/>
+        <p14:creationId xmlns:p14="http://schemas.microsoft.com/office/powerpoint/2010/main" val="327844832"/>
       </p:ext>
     </p:extLst>
   </p:cSld>
@@ -14558,30 +14788,105 @@
         </p:nvSpPr>
         <p:spPr/>
         <p:txBody>
-          <a:bodyPr>
-            <a:normAutofit fontScale="90000"/>
-          </a:bodyPr>
+          <a:bodyPr/>
           <a:lstStyle/>
           <a:p>
             <a:r>
               <a:rPr lang="en-US" dirty="0" smtClean="0"/>
-              <a:t>Container</a:t>
-            </a:r>
-            <a:br>
-              <a:rPr lang="en-US" dirty="0" smtClean="0"/>
-            </a:br>
-            <a:r>
-              <a:rPr lang="en-US" dirty="0" smtClean="0"/>
-              <a:t>Schedulers</a:t>
+              <a:t>NFS &amp; VSAN are different</a:t>
+            </a:r>
+            <a:r>
+              <a:rPr lang="mr-IN" dirty="0" smtClean="0"/>
+              <a:t>…</a:t>
             </a:r>
             <a:endParaRPr lang="en-US" dirty="0"/>
           </a:p>
         </p:txBody>
       </p:sp>
+      <p:sp>
+        <p:nvSpPr>
+          <p:cNvPr id="4" name="Content Placeholder 3"/>
+          <p:cNvSpPr>
+            <a:spLocks noGrp="1"/>
+          </p:cNvSpPr>
+          <p:nvPr>
+            <p:ph sz="half" idx="1"/>
+          </p:nvPr>
+        </p:nvSpPr>
+        <p:spPr>
+          <a:xfrm>
+            <a:off x="274320" y="1280159"/>
+            <a:ext cx="6000356" cy="3375923"/>
+          </a:xfrm>
+        </p:spPr>
+        <p:txBody>
+          <a:bodyPr/>
+          <a:lstStyle/>
+          <a:p>
+            <a:r>
+              <a:rPr lang="en-US" dirty="0" smtClean="0"/>
+              <a:t>What makes NFS</a:t>
+            </a:r>
+            <a:r>
+              <a:rPr lang="en-US" dirty="0"/>
+              <a:t> </a:t>
+            </a:r>
+            <a:r>
+              <a:rPr lang="en-US" dirty="0" smtClean="0"/>
+              <a:t>and VSAN special?</a:t>
+            </a:r>
+          </a:p>
+          <a:p>
+            <a:r>
+              <a:rPr lang="en-US" dirty="0" smtClean="0"/>
+              <a:t>They are both Software-based Storage Platforms!</a:t>
+            </a:r>
+          </a:p>
+          <a:p>
+            <a:r>
+              <a:rPr lang="en-US" dirty="0"/>
+              <a:t>No special hardware, storage array, storage controller</a:t>
+            </a:r>
+          </a:p>
+          <a:p>
+            <a:endParaRPr lang="en-US" dirty="0" smtClean="0"/>
+          </a:p>
+        </p:txBody>
+      </p:sp>
+      <p:pic>
+        <p:nvPicPr>
+          <p:cNvPr id="8" name="Picture 7"/>
+          <p:cNvPicPr>
+            <a:picLocks noChangeAspect="1"/>
+          </p:cNvPicPr>
+          <p:nvPr/>
+        </p:nvPicPr>
+        <p:blipFill>
+          <a:blip r:embed="rId2">
+            <a:extLst>
+              <a:ext uri="{28A0092B-C50C-407E-A947-70E740481C1C}">
+                <a14:useLocalDpi xmlns:a14="http://schemas.microsoft.com/office/drawing/2010/main" val="0"/>
+              </a:ext>
+            </a:extLst>
+          </a:blip>
+          <a:stretch>
+            <a:fillRect/>
+          </a:stretch>
+        </p:blipFill>
+        <p:spPr>
+          <a:xfrm>
+            <a:off x="6169572" y="905352"/>
+            <a:ext cx="2259723" cy="3543352"/>
+          </a:xfrm>
+          <a:prstGeom prst="rect">
+            <a:avLst/>
+          </a:prstGeom>
+        </p:spPr>
+      </p:pic>
     </p:spTree>
     <p:extLst>
       <p:ext uri="{BB962C8B-B14F-4D97-AF65-F5344CB8AC3E}">
-        <p14:creationId xmlns:p14="http://schemas.microsoft.com/office/powerpoint/2010/main" val="196386460"/>
+        <p14:creationId xmlns:p14="http://schemas.microsoft.com/office/powerpoint/2010/main" val="3295599573"/>
       </p:ext>
     </p:extLst>
   </p:cSld>
@@ -14630,187 +14935,30 @@
         </p:nvSpPr>
         <p:spPr/>
         <p:txBody>
-          <a:bodyPr/>
+          <a:bodyPr>
+            <a:normAutofit fontScale="90000"/>
+          </a:bodyPr>
           <a:lstStyle/>
           <a:p>
             <a:r>
               <a:rPr lang="en-US" dirty="0" smtClean="0"/>
-              <a:t>What is a Scheduler?</a:t>
+              <a:t>Container</a:t>
+            </a:r>
+            <a:br>
+              <a:rPr lang="en-US" dirty="0" smtClean="0"/>
+            </a:br>
+            <a:r>
+              <a:rPr lang="en-US" dirty="0" smtClean="0"/>
+              <a:t>Schedulers</a:t>
             </a:r>
             <a:endParaRPr lang="en-US" dirty="0"/>
           </a:p>
         </p:txBody>
       </p:sp>
-      <p:sp>
-        <p:nvSpPr>
-          <p:cNvPr id="4" name="Content Placeholder 3"/>
-          <p:cNvSpPr>
-            <a:spLocks noGrp="1"/>
-          </p:cNvSpPr>
-          <p:nvPr>
-            <p:ph sz="half" idx="1"/>
-          </p:nvPr>
-        </p:nvSpPr>
-        <p:spPr>
-          <a:xfrm>
-            <a:off x="274319" y="1280159"/>
-            <a:ext cx="4722759" cy="3455361"/>
-          </a:xfrm>
-        </p:spPr>
-        <p:txBody>
-          <a:bodyPr/>
-          <a:lstStyle/>
-          <a:p>
-            <a:r>
-              <a:rPr lang="en-US" dirty="0" smtClean="0"/>
-              <a:t>Fair and efficient workload placement</a:t>
-            </a:r>
-          </a:p>
-          <a:p>
-            <a:r>
-              <a:rPr lang="en-US" dirty="0" smtClean="0"/>
-              <a:t>Adhering to a set of constraints</a:t>
-            </a:r>
-          </a:p>
-          <a:p>
-            <a:r>
-              <a:rPr lang="en-US" dirty="0" smtClean="0"/>
-              <a:t>Quickly (and deterministically) dispatching jobs</a:t>
-            </a:r>
-          </a:p>
-          <a:p>
-            <a:r>
-              <a:rPr lang="en-US" dirty="0" smtClean="0"/>
-              <a:t>Robust and tolerates errors</a:t>
-            </a:r>
-            <a:endParaRPr lang="en-US" dirty="0"/>
-          </a:p>
-        </p:txBody>
-      </p:sp>
-      <p:pic>
-        <p:nvPicPr>
-          <p:cNvPr id="5" name="Content Placeholder 3"/>
-          <p:cNvPicPr>
-            <a:picLocks noChangeAspect="1"/>
-          </p:cNvPicPr>
-          <p:nvPr/>
-        </p:nvPicPr>
-        <p:blipFill>
-          <a:blip r:embed="rId2" cstate="print">
-            <a:extLst>
-              <a:ext uri="{28A0092B-C50C-407E-A947-70E740481C1C}">
-                <a14:useLocalDpi xmlns:a14="http://schemas.microsoft.com/office/drawing/2010/main" val="0"/>
-              </a:ext>
-            </a:extLst>
-          </a:blip>
-          <a:stretch>
-            <a:fillRect/>
-          </a:stretch>
-        </p:blipFill>
-        <p:spPr>
-          <a:xfrm>
-            <a:off x="5151382" y="1796088"/>
-            <a:ext cx="1977659" cy="925544"/>
-          </a:xfrm>
-          <a:prstGeom prst="rect">
-            <a:avLst/>
-          </a:prstGeom>
-        </p:spPr>
-      </p:pic>
-      <p:pic>
-        <p:nvPicPr>
-          <p:cNvPr id="6" name="Picture 5"/>
-          <p:cNvPicPr>
-            <a:picLocks noChangeAspect="1"/>
-          </p:cNvPicPr>
-          <p:nvPr/>
-        </p:nvPicPr>
-        <p:blipFill>
-          <a:blip r:embed="rId3" cstate="print">
-            <a:extLst>
-              <a:ext uri="{28A0092B-C50C-407E-A947-70E740481C1C}">
-                <a14:useLocalDpi xmlns:a14="http://schemas.microsoft.com/office/drawing/2010/main" val="0"/>
-              </a:ext>
-            </a:extLst>
-          </a:blip>
-          <a:stretch>
-            <a:fillRect/>
-          </a:stretch>
-        </p:blipFill>
-        <p:spPr>
-          <a:xfrm>
-            <a:off x="7245263" y="1586064"/>
-            <a:ext cx="1686514" cy="1493770"/>
-          </a:xfrm>
-          <a:prstGeom prst="rect">
-            <a:avLst/>
-          </a:prstGeom>
-        </p:spPr>
-      </p:pic>
-      <p:pic>
-        <p:nvPicPr>
-          <p:cNvPr id="7" name="Picture 6"/>
-          <p:cNvPicPr>
-            <a:picLocks noChangeAspect="1"/>
-          </p:cNvPicPr>
-          <p:nvPr/>
-        </p:nvPicPr>
-        <p:blipFill>
-          <a:blip r:embed="rId4">
-            <a:extLst>
-              <a:ext uri="{28A0092B-C50C-407E-A947-70E740481C1C}">
-                <a14:useLocalDpi xmlns:a14="http://schemas.microsoft.com/office/drawing/2010/main" val="0"/>
-              </a:ext>
-            </a:extLst>
-          </a:blip>
-          <a:stretch>
-            <a:fillRect/>
-          </a:stretch>
-        </p:blipFill>
-        <p:spPr>
-          <a:xfrm>
-            <a:off x="5040964" y="2943319"/>
-            <a:ext cx="2033286" cy="1541481"/>
-          </a:xfrm>
-          <a:prstGeom prst="rect">
-            <a:avLst/>
-          </a:prstGeom>
-        </p:spPr>
-      </p:pic>
-      <p:pic>
-        <p:nvPicPr>
-          <p:cNvPr id="8" name="Picture 7"/>
-          <p:cNvPicPr>
-            <a:picLocks noChangeAspect="1"/>
-          </p:cNvPicPr>
-          <p:nvPr/>
-        </p:nvPicPr>
-        <p:blipFill>
-          <a:blip r:embed="rId5" cstate="print">
-            <a:extLst>
-              <a:ext uri="{28A0092B-C50C-407E-A947-70E740481C1C}">
-                <a14:useLocalDpi xmlns:a14="http://schemas.microsoft.com/office/drawing/2010/main" val="0"/>
-              </a:ext>
-            </a:extLst>
-          </a:blip>
-          <a:stretch>
-            <a:fillRect/>
-          </a:stretch>
-        </p:blipFill>
-        <p:spPr>
-          <a:xfrm>
-            <a:off x="7082006" y="3278780"/>
-            <a:ext cx="1842130" cy="958265"/>
-          </a:xfrm>
-          <a:prstGeom prst="rect">
-            <a:avLst/>
-          </a:prstGeom>
-        </p:spPr>
-      </p:pic>
     </p:spTree>
     <p:extLst>
       <p:ext uri="{BB962C8B-B14F-4D97-AF65-F5344CB8AC3E}">
-        <p14:creationId xmlns:p14="http://schemas.microsoft.com/office/powerpoint/2010/main" val="1888563960"/>
+        <p14:creationId xmlns:p14="http://schemas.microsoft.com/office/powerpoint/2010/main" val="196386460"/>
       </p:ext>
     </p:extLst>
   </p:cSld>
@@ -15802,6 +15950,15 @@
 </file>
 
 <file path=customXml/item2.xml><?xml version="1.0" encoding="utf-8"?>
+<?mso-contentType ?>
+<FormTemplates xmlns="http://schemas.microsoft.com/sharepoint/v3/contenttype/forms">
+  <Display>DocumentLibraryForm</Display>
+  <Edit>DocumentLibraryForm</Edit>
+  <New>DocumentLibraryForm</New>
+</FormTemplates>
+</file>
+
+<file path=customXml/item3.xml><?xml version="1.0" encoding="utf-8"?>
 <ct:contentTypeSchema xmlns:ct="http://schemas.microsoft.com/office/2006/metadata/contentType" xmlns:ma="http://schemas.microsoft.com/office/2006/metadata/properties/metaAttributes" ct:_="" ma:_="" ma:contentTypeName="Document" ma:contentTypeID="0x010100EAEEBEE83C66E54EA9BED83B0A9A60DB" ma:contentTypeVersion="1" ma:contentTypeDescription="Create a new document." ma:contentTypeScope="" ma:versionID="51a43b2161297f783d65b37e357c79e9">
   <xsd:schema xmlns:xsd="http://www.w3.org/2001/XMLSchema" xmlns:p="http://schemas.microsoft.com/office/2006/metadata/properties" targetNamespace="http://schemas.microsoft.com/office/2006/metadata/properties" ma:root="true" ma:fieldsID="b9cfef283e0bc2d986a66f9ec0cdc424">
     <xsd:element name="properties">
@@ -15850,15 +16007,6 @@
 </ct:contentTypeSchema>
 </file>
 
-<file path=customXml/item3.xml><?xml version="1.0" encoding="utf-8"?>
-<?mso-contentType ?>
-<FormTemplates xmlns="http://schemas.microsoft.com/sharepoint/v3/contenttype/forms">
-  <Display>DocumentLibraryForm</Display>
-  <Edit>DocumentLibraryForm</Edit>
-  <New>DocumentLibraryForm</New>
-</FormTemplates>
-</file>
-
 <file path=customXml/itemProps1.xml><?xml version="1.0" encoding="utf-8"?>
 <ds:datastoreItem xmlns:ds="http://schemas.openxmlformats.org/officeDocument/2006/customXml" ds:itemID="{0873BDD3-AA35-4F19-A12A-C6462BECFBD1}">
   <ds:schemaRefs>
@@ -15874,6 +16022,14 @@
 </file>
 
 <file path=customXml/itemProps2.xml><?xml version="1.0" encoding="utf-8"?>
+<ds:datastoreItem xmlns:ds="http://schemas.openxmlformats.org/officeDocument/2006/customXml" ds:itemID="{86FC490B-1F77-48C5-AC70-1DD939DBDF04}">
+  <ds:schemaRefs>
+    <ds:schemaRef ds:uri="http://schemas.microsoft.com/sharepoint/v3/contenttype/forms"/>
+  </ds:schemaRefs>
+</ds:datastoreItem>
+</file>
+
+<file path=customXml/itemProps3.xml><?xml version="1.0" encoding="utf-8"?>
 <ds:datastoreItem xmlns:ds="http://schemas.openxmlformats.org/officeDocument/2006/customXml" ds:itemID="{A3332CB6-AB82-4DD3-8C89-C660A1C3944B}">
   <ds:schemaRefs>
     <ds:schemaRef ds:uri="http://schemas.microsoft.com/office/2006/metadata/contentType"/>
@@ -15886,12 +16042,4 @@
     <ds:schemaRef ds:uri="http://schemas.microsoft.com/office/internal/2005/internalDocumentation"/>
   </ds:schemaRefs>
 </ds:datastoreItem>
-</file>
-
-<file path=customXml/itemProps3.xml><?xml version="1.0" encoding="utf-8"?>
-<ds:datastoreItem xmlns:ds="http://schemas.openxmlformats.org/officeDocument/2006/customXml" ds:itemID="{86FC490B-1F77-48C5-AC70-1DD939DBDF04}">
-  <ds:schemaRefs>
-    <ds:schemaRef ds:uri="http://schemas.microsoft.com/sharepoint/v3/contenttype/forms"/>
-  </ds:schemaRefs>
-</ds:datastoreItem>
 </file>
--- a/2017_SCALE15/SCaLE-ConSchedAndSDSChangeCloud.pptx
+++ b/2017_SCALE15/SCaLE-ConSchedAndSDSChangeCloud.pptx
@@ -784,7 +784,23 @@
           <a:bodyPr/>
           <a:lstStyle/>
           <a:p>
-            <a:endParaRPr lang="en-US" dirty="0"/>
+            <a:r>
+              <a:rPr lang="en-US" dirty="0" smtClean="0"/>
+              <a:t>Special</a:t>
+            </a:r>
+            <a:r>
+              <a:rPr lang="en-US" baseline="0" dirty="0" smtClean="0"/>
+              <a:t> branch of Dell EMC called </a:t>
+            </a:r>
+            <a:r>
+              <a:rPr lang="en-US" dirty="0" smtClean="0"/>
+              <a:t>{code} which works develops</a:t>
+            </a:r>
+            <a:r>
+              <a:rPr lang="en-US" baseline="0" dirty="0" smtClean="0"/>
+              <a:t> and contributes to various open source projects in the container space. Docker, Mesos and Kubernetes in particular.</a:t>
+            </a:r>
+            <a:endParaRPr lang="en-US" dirty="0" smtClean="0"/>
           </a:p>
         </p:txBody>
       </p:sp>
@@ -821,6 +837,1085 @@
     <p:extLst>
       <p:ext uri="{BB962C8B-B14F-4D97-AF65-F5344CB8AC3E}">
         <p14:creationId xmlns:p14="http://schemas.microsoft.com/office/powerpoint/2010/main" val="756083383"/>
+      </p:ext>
+    </p:extLst>
+  </p:cSld>
+  <p:clrMapOvr>
+    <a:masterClrMapping/>
+  </p:clrMapOvr>
+</p:notes>
+</file>
+
+<file path=ppt/notesSlides/notesSlide10.xml><?xml version="1.0" encoding="utf-8"?>
+<p:notes xmlns:a="http://schemas.openxmlformats.org/drawingml/2006/main" xmlns:r="http://schemas.openxmlformats.org/officeDocument/2006/relationships" xmlns:p="http://schemas.openxmlformats.org/presentationml/2006/main">
+  <p:cSld>
+    <p:spTree>
+      <p:nvGrpSpPr>
+        <p:cNvPr id="1" name=""/>
+        <p:cNvGrpSpPr/>
+        <p:nvPr/>
+      </p:nvGrpSpPr>
+      <p:grpSpPr>
+        <a:xfrm>
+          <a:off x="0" y="0"/>
+          <a:ext cx="0" cy="0"/>
+          <a:chOff x="0" y="0"/>
+          <a:chExt cx="0" cy="0"/>
+        </a:xfrm>
+      </p:grpSpPr>
+      <p:sp>
+        <p:nvSpPr>
+          <p:cNvPr id="2" name="Slide Image Placeholder 1"/>
+          <p:cNvSpPr>
+            <a:spLocks noGrp="1" noRot="1" noChangeAspect="1"/>
+          </p:cNvSpPr>
+          <p:nvPr>
+            <p:ph type="sldImg"/>
+          </p:nvPr>
+        </p:nvSpPr>
+        <p:spPr/>
+      </p:sp>
+      <p:sp>
+        <p:nvSpPr>
+          <p:cNvPr id="3" name="Notes Placeholder 2"/>
+          <p:cNvSpPr>
+            <a:spLocks noGrp="1"/>
+          </p:cNvSpPr>
+          <p:nvPr>
+            <p:ph type="body" idx="1"/>
+          </p:nvPr>
+        </p:nvSpPr>
+        <p:spPr/>
+        <p:txBody>
+          <a:bodyPr/>
+          <a:lstStyle/>
+          <a:p>
+            <a:r>
+              <a:rPr lang="en-US" dirty="0" smtClean="0"/>
+              <a:t>Had</a:t>
+            </a:r>
+            <a:r>
+              <a:rPr lang="en-US" baseline="0" dirty="0" smtClean="0"/>
+              <a:t> this idea of creating a Software Defined Storage </a:t>
+            </a:r>
+            <a:r>
+              <a:rPr lang="en-US" baseline="0" dirty="0" smtClean="0"/>
+              <a:t>Mesos Framework.</a:t>
+            </a:r>
+          </a:p>
+          <a:p>
+            <a:r>
+              <a:rPr lang="en-US" baseline="0" dirty="0" smtClean="0"/>
+              <a:t>This Framework would manage the lifecycle of this Software Defined Storage platform.</a:t>
+            </a:r>
+            <a:endParaRPr lang="en-US" dirty="0"/>
+          </a:p>
+        </p:txBody>
+      </p:sp>
+      <p:sp>
+        <p:nvSpPr>
+          <p:cNvPr id="4" name="Slide Number Placeholder 3"/>
+          <p:cNvSpPr>
+            <a:spLocks noGrp="1"/>
+          </p:cNvSpPr>
+          <p:nvPr>
+            <p:ph type="sldNum" sz="quarter" idx="10"/>
+          </p:nvPr>
+        </p:nvSpPr>
+        <p:spPr/>
+        <p:txBody>
+          <a:bodyPr/>
+          <a:lstStyle/>
+          <a:p>
+            <a:pPr>
+              <a:defRPr/>
+            </a:pPr>
+            <a:fld id="{FA04BB6B-BEDE-48E4-970F-8DFC0D4B5AE7}" type="slidenum">
+              <a:rPr lang="en-US" smtClean="0"/>
+              <a:pPr>
+                <a:defRPr/>
+              </a:pPr>
+              <a:t>17</a:t>
+            </a:fld>
+            <a:endParaRPr lang="en-US" dirty="0"/>
+          </a:p>
+        </p:txBody>
+      </p:sp>
+    </p:spTree>
+    <p:extLst>
+      <p:ext uri="{BB962C8B-B14F-4D97-AF65-F5344CB8AC3E}">
+        <p14:creationId xmlns:p14="http://schemas.microsoft.com/office/powerpoint/2010/main" val="1876677596"/>
+      </p:ext>
+    </p:extLst>
+  </p:cSld>
+  <p:clrMapOvr>
+    <a:masterClrMapping/>
+  </p:clrMapOvr>
+</p:notes>
+</file>
+
+<file path=ppt/notesSlides/notesSlide11.xml><?xml version="1.0" encoding="utf-8"?>
+<p:notes xmlns:a="http://schemas.openxmlformats.org/drawingml/2006/main" xmlns:r="http://schemas.openxmlformats.org/officeDocument/2006/relationships" xmlns:p="http://schemas.openxmlformats.org/presentationml/2006/main">
+  <p:cSld>
+    <p:spTree>
+      <p:nvGrpSpPr>
+        <p:cNvPr id="1" name=""/>
+        <p:cNvGrpSpPr/>
+        <p:nvPr/>
+      </p:nvGrpSpPr>
+      <p:grpSpPr>
+        <a:xfrm>
+          <a:off x="0" y="0"/>
+          <a:ext cx="0" cy="0"/>
+          <a:chOff x="0" y="0"/>
+          <a:chExt cx="0" cy="0"/>
+        </a:xfrm>
+      </p:grpSpPr>
+      <p:sp>
+        <p:nvSpPr>
+          <p:cNvPr id="2" name="Slide Image Placeholder 1"/>
+          <p:cNvSpPr>
+            <a:spLocks noGrp="1" noRot="1" noChangeAspect="1"/>
+          </p:cNvSpPr>
+          <p:nvPr>
+            <p:ph type="sldImg"/>
+          </p:nvPr>
+        </p:nvSpPr>
+        <p:spPr/>
+      </p:sp>
+      <p:sp>
+        <p:nvSpPr>
+          <p:cNvPr id="3" name="Notes Placeholder 2"/>
+          <p:cNvSpPr>
+            <a:spLocks noGrp="1"/>
+          </p:cNvSpPr>
+          <p:nvPr>
+            <p:ph type="body" idx="1"/>
+          </p:nvPr>
+        </p:nvSpPr>
+        <p:spPr/>
+        <p:txBody>
+          <a:bodyPr/>
+          <a:lstStyle/>
+          <a:p>
+            <a:r>
+              <a:rPr lang="en-US" dirty="0" smtClean="0"/>
+              <a:t>Not</a:t>
+            </a:r>
+            <a:r>
+              <a:rPr lang="en-US" baseline="0" dirty="0" smtClean="0"/>
+              <a:t> only is ScaleIO a Software Defined Storage platform, but it’s also a Software-based Storage platform.</a:t>
+            </a:r>
+          </a:p>
+          <a:p>
+            <a:r>
+              <a:rPr lang="en-US" baseline="0" dirty="0" smtClean="0"/>
+              <a:t>Meaning you can install this anywhere. On Linux, Windows, Virtualized environment like </a:t>
+            </a:r>
+            <a:r>
+              <a:rPr lang="en-US" baseline="0" dirty="0" err="1" smtClean="0"/>
+              <a:t>Vmware</a:t>
+            </a:r>
+            <a:r>
+              <a:rPr lang="en-US" baseline="0" dirty="0" smtClean="0"/>
+              <a:t>, in the Cloud.</a:t>
+            </a:r>
+            <a:endParaRPr lang="en-US" dirty="0"/>
+          </a:p>
+        </p:txBody>
+      </p:sp>
+      <p:sp>
+        <p:nvSpPr>
+          <p:cNvPr id="4" name="Slide Number Placeholder 3"/>
+          <p:cNvSpPr>
+            <a:spLocks noGrp="1"/>
+          </p:cNvSpPr>
+          <p:nvPr>
+            <p:ph type="sldNum" sz="quarter" idx="10"/>
+          </p:nvPr>
+        </p:nvSpPr>
+        <p:spPr/>
+        <p:txBody>
+          <a:bodyPr/>
+          <a:lstStyle/>
+          <a:p>
+            <a:pPr>
+              <a:defRPr/>
+            </a:pPr>
+            <a:fld id="{FA04BB6B-BEDE-48E4-970F-8DFC0D4B5AE7}" type="slidenum">
+              <a:rPr lang="en-US" smtClean="0"/>
+              <a:pPr>
+                <a:defRPr/>
+              </a:pPr>
+              <a:t>18</a:t>
+            </a:fld>
+            <a:endParaRPr lang="en-US" dirty="0"/>
+          </a:p>
+        </p:txBody>
+      </p:sp>
+    </p:spTree>
+    <p:extLst>
+      <p:ext uri="{BB962C8B-B14F-4D97-AF65-F5344CB8AC3E}">
+        <p14:creationId xmlns:p14="http://schemas.microsoft.com/office/powerpoint/2010/main" val="1662398474"/>
+      </p:ext>
+    </p:extLst>
+  </p:cSld>
+  <p:clrMapOvr>
+    <a:masterClrMapping/>
+  </p:clrMapOvr>
+</p:notes>
+</file>
+
+<file path=ppt/notesSlides/notesSlide12.xml><?xml version="1.0" encoding="utf-8"?>
+<p:notes xmlns:a="http://schemas.openxmlformats.org/drawingml/2006/main" xmlns:r="http://schemas.openxmlformats.org/officeDocument/2006/relationships" xmlns:p="http://schemas.openxmlformats.org/presentationml/2006/main">
+  <p:cSld>
+    <p:spTree>
+      <p:nvGrpSpPr>
+        <p:cNvPr id="1" name=""/>
+        <p:cNvGrpSpPr/>
+        <p:nvPr/>
+      </p:nvGrpSpPr>
+      <p:grpSpPr>
+        <a:xfrm>
+          <a:off x="0" y="0"/>
+          <a:ext cx="0" cy="0"/>
+          <a:chOff x="0" y="0"/>
+          <a:chExt cx="0" cy="0"/>
+        </a:xfrm>
+      </p:grpSpPr>
+      <p:sp>
+        <p:nvSpPr>
+          <p:cNvPr id="2" name="Slide Image Placeholder 1"/>
+          <p:cNvSpPr>
+            <a:spLocks noGrp="1" noRot="1" noChangeAspect="1"/>
+          </p:cNvSpPr>
+          <p:nvPr>
+            <p:ph type="sldImg"/>
+          </p:nvPr>
+        </p:nvSpPr>
+        <p:spPr/>
+      </p:sp>
+      <p:sp>
+        <p:nvSpPr>
+          <p:cNvPr id="3" name="Notes Placeholder 2"/>
+          <p:cNvSpPr>
+            <a:spLocks noGrp="1"/>
+          </p:cNvSpPr>
+          <p:nvPr>
+            <p:ph type="body" idx="1"/>
+          </p:nvPr>
+        </p:nvSpPr>
+        <p:spPr/>
+        <p:txBody>
+          <a:bodyPr/>
+          <a:lstStyle/>
+          <a:p>
+            <a:r>
+              <a:rPr lang="en-US" dirty="0" smtClean="0"/>
+              <a:t>Globally</a:t>
+            </a:r>
+            <a:r>
+              <a:rPr lang="en-US" baseline="0" dirty="0" smtClean="0"/>
+              <a:t> accessible </a:t>
+            </a:r>
+            <a:r>
+              <a:rPr lang="mr-IN" baseline="0" dirty="0" smtClean="0"/>
+              <a:t>–</a:t>
+            </a:r>
+            <a:r>
+              <a:rPr lang="en-US" baseline="0" dirty="0" smtClean="0"/>
+              <a:t> provision a ScaleIO volume that can be accessed anywhere in the Mesos Cluster</a:t>
+            </a:r>
+          </a:p>
+          <a:p>
+            <a:r>
+              <a:rPr lang="en-US" baseline="0" dirty="0" smtClean="0"/>
+              <a:t>Reduce complexity </a:t>
+            </a:r>
+            <a:r>
+              <a:rPr lang="mr-IN" baseline="0" dirty="0" smtClean="0"/>
+              <a:t>–</a:t>
+            </a:r>
+            <a:r>
+              <a:rPr lang="en-US" baseline="0" dirty="0" smtClean="0"/>
+              <a:t> because the ScaleIO manages maintenance operations. Rebalancing due to a node failure.</a:t>
+            </a:r>
+            <a:endParaRPr lang="en-US" dirty="0"/>
+          </a:p>
+        </p:txBody>
+      </p:sp>
+      <p:sp>
+        <p:nvSpPr>
+          <p:cNvPr id="4" name="Slide Number Placeholder 3"/>
+          <p:cNvSpPr>
+            <a:spLocks noGrp="1"/>
+          </p:cNvSpPr>
+          <p:nvPr>
+            <p:ph type="sldNum" sz="quarter" idx="10"/>
+          </p:nvPr>
+        </p:nvSpPr>
+        <p:spPr/>
+        <p:txBody>
+          <a:bodyPr/>
+          <a:lstStyle/>
+          <a:p>
+            <a:pPr>
+              <a:defRPr/>
+            </a:pPr>
+            <a:fld id="{FA04BB6B-BEDE-48E4-970F-8DFC0D4B5AE7}" type="slidenum">
+              <a:rPr lang="en-US" smtClean="0"/>
+              <a:pPr>
+                <a:defRPr/>
+              </a:pPr>
+              <a:t>19</a:t>
+            </a:fld>
+            <a:endParaRPr lang="en-US" dirty="0"/>
+          </a:p>
+        </p:txBody>
+      </p:sp>
+    </p:spTree>
+    <p:extLst>
+      <p:ext uri="{BB962C8B-B14F-4D97-AF65-F5344CB8AC3E}">
+        <p14:creationId xmlns:p14="http://schemas.microsoft.com/office/powerpoint/2010/main" val="1598682365"/>
+      </p:ext>
+    </p:extLst>
+  </p:cSld>
+  <p:clrMapOvr>
+    <a:masterClrMapping/>
+  </p:clrMapOvr>
+</p:notes>
+</file>
+
+<file path=ppt/notesSlides/notesSlide13.xml><?xml version="1.0" encoding="utf-8"?>
+<p:notes xmlns:a="http://schemas.openxmlformats.org/drawingml/2006/main" xmlns:r="http://schemas.openxmlformats.org/officeDocument/2006/relationships" xmlns:p="http://schemas.openxmlformats.org/presentationml/2006/main">
+  <p:cSld>
+    <p:spTree>
+      <p:nvGrpSpPr>
+        <p:cNvPr id="1" name=""/>
+        <p:cNvGrpSpPr/>
+        <p:nvPr/>
+      </p:nvGrpSpPr>
+      <p:grpSpPr>
+        <a:xfrm>
+          <a:off x="0" y="0"/>
+          <a:ext cx="0" cy="0"/>
+          <a:chOff x="0" y="0"/>
+          <a:chExt cx="0" cy="0"/>
+        </a:xfrm>
+      </p:grpSpPr>
+      <p:sp>
+        <p:nvSpPr>
+          <p:cNvPr id="2" name="Slide Image Placeholder 1"/>
+          <p:cNvSpPr>
+            <a:spLocks noGrp="1" noRot="1" noChangeAspect="1"/>
+          </p:cNvSpPr>
+          <p:nvPr>
+            <p:ph type="sldImg"/>
+          </p:nvPr>
+        </p:nvSpPr>
+        <p:spPr/>
+      </p:sp>
+      <p:sp>
+        <p:nvSpPr>
+          <p:cNvPr id="3" name="Notes Placeholder 2"/>
+          <p:cNvSpPr>
+            <a:spLocks noGrp="1"/>
+          </p:cNvSpPr>
+          <p:nvPr>
+            <p:ph type="body" idx="1"/>
+          </p:nvPr>
+        </p:nvSpPr>
+        <p:spPr/>
+        <p:txBody>
+          <a:bodyPr/>
+          <a:lstStyle/>
+          <a:p>
+            <a:r>
+              <a:rPr lang="en-US" dirty="0" smtClean="0"/>
+              <a:t>Why is this important?</a:t>
+            </a:r>
+          </a:p>
+          <a:p>
+            <a:r>
+              <a:rPr lang="en-US" dirty="0" smtClean="0"/>
+              <a:t>It</a:t>
+            </a:r>
+            <a:r>
+              <a:rPr lang="en-US" baseline="0" dirty="0" smtClean="0"/>
+              <a:t> turns out that</a:t>
+            </a:r>
+            <a:r>
+              <a:rPr lang="mr-IN" baseline="0" dirty="0" smtClean="0"/>
+              <a:t>…</a:t>
+            </a:r>
+            <a:endParaRPr lang="en-US" dirty="0"/>
+          </a:p>
+        </p:txBody>
+      </p:sp>
+      <p:sp>
+        <p:nvSpPr>
+          <p:cNvPr id="4" name="Slide Number Placeholder 3"/>
+          <p:cNvSpPr>
+            <a:spLocks noGrp="1"/>
+          </p:cNvSpPr>
+          <p:nvPr>
+            <p:ph type="sldNum" sz="quarter" idx="10"/>
+          </p:nvPr>
+        </p:nvSpPr>
+        <p:spPr/>
+        <p:txBody>
+          <a:bodyPr/>
+          <a:lstStyle/>
+          <a:p>
+            <a:pPr>
+              <a:defRPr/>
+            </a:pPr>
+            <a:fld id="{FA04BB6B-BEDE-48E4-970F-8DFC0D4B5AE7}" type="slidenum">
+              <a:rPr lang="en-US" smtClean="0"/>
+              <a:pPr>
+                <a:defRPr/>
+              </a:pPr>
+              <a:t>20</a:t>
+            </a:fld>
+            <a:endParaRPr lang="en-US" dirty="0"/>
+          </a:p>
+        </p:txBody>
+      </p:sp>
+    </p:spTree>
+    <p:extLst>
+      <p:ext uri="{BB962C8B-B14F-4D97-AF65-F5344CB8AC3E}">
+        <p14:creationId xmlns:p14="http://schemas.microsoft.com/office/powerpoint/2010/main" val="867139352"/>
+      </p:ext>
+    </p:extLst>
+  </p:cSld>
+  <p:clrMapOvr>
+    <a:masterClrMapping/>
+  </p:clrMapOvr>
+</p:notes>
+</file>
+
+<file path=ppt/notesSlides/notesSlide14.xml><?xml version="1.0" encoding="utf-8"?>
+<p:notes xmlns:a="http://schemas.openxmlformats.org/drawingml/2006/main" xmlns:r="http://schemas.openxmlformats.org/officeDocument/2006/relationships" xmlns:p="http://schemas.openxmlformats.org/presentationml/2006/main">
+  <p:cSld>
+    <p:spTree>
+      <p:nvGrpSpPr>
+        <p:cNvPr id="1" name=""/>
+        <p:cNvGrpSpPr/>
+        <p:nvPr/>
+      </p:nvGrpSpPr>
+      <p:grpSpPr>
+        <a:xfrm>
+          <a:off x="0" y="0"/>
+          <a:ext cx="0" cy="0"/>
+          <a:chOff x="0" y="0"/>
+          <a:chExt cx="0" cy="0"/>
+        </a:xfrm>
+      </p:grpSpPr>
+      <p:sp>
+        <p:nvSpPr>
+          <p:cNvPr id="2" name="Slide Image Placeholder 1"/>
+          <p:cNvSpPr>
+            <a:spLocks noGrp="1" noRot="1" noChangeAspect="1"/>
+          </p:cNvSpPr>
+          <p:nvPr>
+            <p:ph type="sldImg"/>
+          </p:nvPr>
+        </p:nvSpPr>
+        <p:spPr/>
+      </p:sp>
+      <p:sp>
+        <p:nvSpPr>
+          <p:cNvPr id="3" name="Notes Placeholder 2"/>
+          <p:cNvSpPr>
+            <a:spLocks noGrp="1"/>
+          </p:cNvSpPr>
+          <p:nvPr>
+            <p:ph type="body" idx="1"/>
+          </p:nvPr>
+        </p:nvSpPr>
+        <p:spPr/>
+        <p:txBody>
+          <a:bodyPr/>
+          <a:lstStyle/>
+          <a:p>
+            <a:r>
+              <a:rPr lang="en-US" dirty="0" smtClean="0"/>
+              <a:t>External Storage!</a:t>
+            </a:r>
+            <a:r>
+              <a:rPr lang="en-US" baseline="0" dirty="0" smtClean="0"/>
+              <a:t> This is where ScaleIO comes in.</a:t>
+            </a:r>
+            <a:endParaRPr lang="en-US" dirty="0"/>
+          </a:p>
+        </p:txBody>
+      </p:sp>
+      <p:sp>
+        <p:nvSpPr>
+          <p:cNvPr id="4" name="Slide Number Placeholder 3"/>
+          <p:cNvSpPr>
+            <a:spLocks noGrp="1"/>
+          </p:cNvSpPr>
+          <p:nvPr>
+            <p:ph type="sldNum" sz="quarter" idx="10"/>
+          </p:nvPr>
+        </p:nvSpPr>
+        <p:spPr/>
+        <p:txBody>
+          <a:bodyPr/>
+          <a:lstStyle/>
+          <a:p>
+            <a:pPr>
+              <a:defRPr/>
+            </a:pPr>
+            <a:fld id="{FA04BB6B-BEDE-48E4-970F-8DFC0D4B5AE7}" type="slidenum">
+              <a:rPr lang="en-US" smtClean="0"/>
+              <a:pPr>
+                <a:defRPr/>
+              </a:pPr>
+              <a:t>21</a:t>
+            </a:fld>
+            <a:endParaRPr lang="en-US" dirty="0"/>
+          </a:p>
+        </p:txBody>
+      </p:sp>
+    </p:spTree>
+    <p:extLst>
+      <p:ext uri="{BB962C8B-B14F-4D97-AF65-F5344CB8AC3E}">
+        <p14:creationId xmlns:p14="http://schemas.microsoft.com/office/powerpoint/2010/main" val="292005445"/>
+      </p:ext>
+    </p:extLst>
+  </p:cSld>
+  <p:clrMapOvr>
+    <a:masterClrMapping/>
+  </p:clrMapOvr>
+</p:notes>
+</file>
+
+<file path=ppt/notesSlides/notesSlide15.xml><?xml version="1.0" encoding="utf-8"?>
+<p:notes xmlns:a="http://schemas.openxmlformats.org/drawingml/2006/main" xmlns:r="http://schemas.openxmlformats.org/officeDocument/2006/relationships" xmlns:p="http://schemas.openxmlformats.org/presentationml/2006/main">
+  <p:cSld>
+    <p:spTree>
+      <p:nvGrpSpPr>
+        <p:cNvPr id="1" name=""/>
+        <p:cNvGrpSpPr/>
+        <p:nvPr/>
+      </p:nvGrpSpPr>
+      <p:grpSpPr>
+        <a:xfrm>
+          <a:off x="0" y="0"/>
+          <a:ext cx="0" cy="0"/>
+          <a:chOff x="0" y="0"/>
+          <a:chExt cx="0" cy="0"/>
+        </a:xfrm>
+      </p:grpSpPr>
+      <p:sp>
+        <p:nvSpPr>
+          <p:cNvPr id="2" name="Slide Image Placeholder 1"/>
+          <p:cNvSpPr>
+            <a:spLocks noGrp="1" noRot="1" noChangeAspect="1"/>
+          </p:cNvSpPr>
+          <p:nvPr>
+            <p:ph type="sldImg"/>
+          </p:nvPr>
+        </p:nvSpPr>
+        <p:spPr/>
+      </p:sp>
+      <p:sp>
+        <p:nvSpPr>
+          <p:cNvPr id="3" name="Notes Placeholder 2"/>
+          <p:cNvSpPr>
+            <a:spLocks noGrp="1"/>
+          </p:cNvSpPr>
+          <p:nvPr>
+            <p:ph type="body" idx="1"/>
+          </p:nvPr>
+        </p:nvSpPr>
+        <p:spPr/>
+        <p:txBody>
+          <a:bodyPr/>
+          <a:lstStyle/>
+          <a:p>
+            <a:r>
+              <a:rPr lang="en-US" dirty="0" smtClean="0"/>
+              <a:t>This Framework also leverages a number of open</a:t>
+            </a:r>
+            <a:r>
+              <a:rPr lang="en-US" baseline="0" dirty="0" smtClean="0"/>
+              <a:t> source projects that provides the glue between the containers and ScaleIO.</a:t>
+            </a:r>
+          </a:p>
+          <a:p>
+            <a:r>
+              <a:rPr lang="en-US" baseline="0" dirty="0" smtClean="0"/>
+              <a:t>ScaleIO on its own is just a storage platform. Schedulers need to provision storage for their container workloads and they do that using REX-Ray and </a:t>
+            </a:r>
+            <a:r>
+              <a:rPr lang="en-US" baseline="0" dirty="0" err="1" smtClean="0"/>
+              <a:t>mesos</a:t>
+            </a:r>
+            <a:r>
+              <a:rPr lang="en-US" baseline="0" dirty="0" smtClean="0"/>
+              <a:t>-module-</a:t>
+            </a:r>
+            <a:r>
+              <a:rPr lang="en-US" baseline="0" dirty="0" err="1" smtClean="0"/>
+              <a:t>dvdi</a:t>
+            </a:r>
+            <a:endParaRPr lang="en-US" dirty="0"/>
+          </a:p>
+        </p:txBody>
+      </p:sp>
+      <p:sp>
+        <p:nvSpPr>
+          <p:cNvPr id="4" name="Slide Number Placeholder 3"/>
+          <p:cNvSpPr>
+            <a:spLocks noGrp="1"/>
+          </p:cNvSpPr>
+          <p:nvPr>
+            <p:ph type="sldNum" sz="quarter" idx="10"/>
+          </p:nvPr>
+        </p:nvSpPr>
+        <p:spPr/>
+        <p:txBody>
+          <a:bodyPr/>
+          <a:lstStyle/>
+          <a:p>
+            <a:pPr>
+              <a:defRPr/>
+            </a:pPr>
+            <a:fld id="{FA04BB6B-BEDE-48E4-970F-8DFC0D4B5AE7}" type="slidenum">
+              <a:rPr lang="en-US" smtClean="0"/>
+              <a:pPr>
+                <a:defRPr/>
+              </a:pPr>
+              <a:t>22</a:t>
+            </a:fld>
+            <a:endParaRPr lang="en-US" dirty="0"/>
+          </a:p>
+        </p:txBody>
+      </p:sp>
+    </p:spTree>
+    <p:extLst>
+      <p:ext uri="{BB962C8B-B14F-4D97-AF65-F5344CB8AC3E}">
+        <p14:creationId xmlns:p14="http://schemas.microsoft.com/office/powerpoint/2010/main" val="299537302"/>
+      </p:ext>
+    </p:extLst>
+  </p:cSld>
+  <p:clrMapOvr>
+    <a:masterClrMapping/>
+  </p:clrMapOvr>
+</p:notes>
+</file>
+
+<file path=ppt/notesSlides/notesSlide16.xml><?xml version="1.0" encoding="utf-8"?>
+<p:notes xmlns:a="http://schemas.openxmlformats.org/drawingml/2006/main" xmlns:r="http://schemas.openxmlformats.org/officeDocument/2006/relationships" xmlns:p="http://schemas.openxmlformats.org/presentationml/2006/main">
+  <p:cSld>
+    <p:spTree>
+      <p:nvGrpSpPr>
+        <p:cNvPr id="1" name=""/>
+        <p:cNvGrpSpPr/>
+        <p:nvPr/>
+      </p:nvGrpSpPr>
+      <p:grpSpPr>
+        <a:xfrm>
+          <a:off x="0" y="0"/>
+          <a:ext cx="0" cy="0"/>
+          <a:chOff x="0" y="0"/>
+          <a:chExt cx="0" cy="0"/>
+        </a:xfrm>
+      </p:grpSpPr>
+      <p:sp>
+        <p:nvSpPr>
+          <p:cNvPr id="2" name="Slide Image Placeholder 1"/>
+          <p:cNvSpPr>
+            <a:spLocks noGrp="1" noRot="1" noChangeAspect="1"/>
+          </p:cNvSpPr>
+          <p:nvPr>
+            <p:ph type="sldImg"/>
+          </p:nvPr>
+        </p:nvSpPr>
+        <p:spPr/>
+      </p:sp>
+      <p:sp>
+        <p:nvSpPr>
+          <p:cNvPr id="3" name="Notes Placeholder 2"/>
+          <p:cNvSpPr>
+            <a:spLocks noGrp="1"/>
+          </p:cNvSpPr>
+          <p:nvPr>
+            <p:ph type="body" idx="1"/>
+          </p:nvPr>
+        </p:nvSpPr>
+        <p:spPr/>
+        <p:txBody>
+          <a:bodyPr/>
+          <a:lstStyle/>
+          <a:p>
+            <a:r>
+              <a:rPr lang="en-US" dirty="0" err="1" smtClean="0"/>
+              <a:t>Insultates</a:t>
+            </a:r>
+            <a:r>
+              <a:rPr lang="en-US" dirty="0" smtClean="0"/>
+              <a:t> changes -</a:t>
+            </a:r>
+            <a:r>
+              <a:rPr lang="en-US" baseline="0" dirty="0" smtClean="0"/>
+              <a:t> meaning that since you have a Framework managing this Software-based Storage platform, it deals with interfacing with the container scheduler and the storage platform. NOT THE USER!</a:t>
+            </a:r>
+          </a:p>
+        </p:txBody>
+      </p:sp>
+      <p:sp>
+        <p:nvSpPr>
+          <p:cNvPr id="4" name="Slide Number Placeholder 3"/>
+          <p:cNvSpPr>
+            <a:spLocks noGrp="1"/>
+          </p:cNvSpPr>
+          <p:nvPr>
+            <p:ph type="sldNum" sz="quarter" idx="10"/>
+          </p:nvPr>
+        </p:nvSpPr>
+        <p:spPr/>
+        <p:txBody>
+          <a:bodyPr/>
+          <a:lstStyle/>
+          <a:p>
+            <a:pPr>
+              <a:defRPr/>
+            </a:pPr>
+            <a:fld id="{FA04BB6B-BEDE-48E4-970F-8DFC0D4B5AE7}" type="slidenum">
+              <a:rPr lang="en-US" smtClean="0"/>
+              <a:pPr>
+                <a:defRPr/>
+              </a:pPr>
+              <a:t>23</a:t>
+            </a:fld>
+            <a:endParaRPr lang="en-US" dirty="0"/>
+          </a:p>
+        </p:txBody>
+      </p:sp>
+    </p:spTree>
+    <p:extLst>
+      <p:ext uri="{BB962C8B-B14F-4D97-AF65-F5344CB8AC3E}">
+        <p14:creationId xmlns:p14="http://schemas.microsoft.com/office/powerpoint/2010/main" val="922344881"/>
+      </p:ext>
+    </p:extLst>
+  </p:cSld>
+  <p:clrMapOvr>
+    <a:masterClrMapping/>
+  </p:clrMapOvr>
+</p:notes>
+</file>
+
+<file path=ppt/notesSlides/notesSlide17.xml><?xml version="1.0" encoding="utf-8"?>
+<p:notes xmlns:a="http://schemas.openxmlformats.org/drawingml/2006/main" xmlns:r="http://schemas.openxmlformats.org/officeDocument/2006/relationships" xmlns:p="http://schemas.openxmlformats.org/presentationml/2006/main">
+  <p:cSld>
+    <p:spTree>
+      <p:nvGrpSpPr>
+        <p:cNvPr id="1" name=""/>
+        <p:cNvGrpSpPr/>
+        <p:nvPr/>
+      </p:nvGrpSpPr>
+      <p:grpSpPr>
+        <a:xfrm>
+          <a:off x="0" y="0"/>
+          <a:ext cx="0" cy="0"/>
+          <a:chOff x="0" y="0"/>
+          <a:chExt cx="0" cy="0"/>
+        </a:xfrm>
+      </p:grpSpPr>
+      <p:sp>
+        <p:nvSpPr>
+          <p:cNvPr id="2" name="Slide Image Placeholder 1"/>
+          <p:cNvSpPr>
+            <a:spLocks noGrp="1" noRot="1" noChangeAspect="1"/>
+          </p:cNvSpPr>
+          <p:nvPr>
+            <p:ph type="sldImg"/>
+          </p:nvPr>
+        </p:nvSpPr>
+        <p:spPr/>
+      </p:sp>
+      <p:sp>
+        <p:nvSpPr>
+          <p:cNvPr id="3" name="Notes Placeholder 2"/>
+          <p:cNvSpPr>
+            <a:spLocks noGrp="1"/>
+          </p:cNvSpPr>
+          <p:nvPr>
+            <p:ph type="body" idx="1"/>
+          </p:nvPr>
+        </p:nvSpPr>
+        <p:spPr/>
+        <p:txBody>
+          <a:bodyPr/>
+          <a:lstStyle/>
+          <a:p>
+            <a:r>
+              <a:rPr lang="en-US" dirty="0" smtClean="0"/>
+              <a:t>Now</a:t>
+            </a:r>
+            <a:r>
+              <a:rPr lang="en-US" baseline="0" dirty="0" smtClean="0"/>
+              <a:t> we are getting to the crux of the talk here</a:t>
+            </a:r>
+            <a:r>
+              <a:rPr lang="mr-IN" baseline="0" dirty="0" smtClean="0"/>
+              <a:t>…</a:t>
+            </a:r>
+            <a:r>
+              <a:rPr lang="en-US" baseline="0" dirty="0" smtClean="0"/>
+              <a:t> what if we take this all into the cloud.</a:t>
+            </a:r>
+            <a:endParaRPr lang="en-US" dirty="0"/>
+          </a:p>
+        </p:txBody>
+      </p:sp>
+      <p:sp>
+        <p:nvSpPr>
+          <p:cNvPr id="4" name="Slide Number Placeholder 3"/>
+          <p:cNvSpPr>
+            <a:spLocks noGrp="1"/>
+          </p:cNvSpPr>
+          <p:nvPr>
+            <p:ph type="sldNum" sz="quarter" idx="10"/>
+          </p:nvPr>
+        </p:nvSpPr>
+        <p:spPr/>
+        <p:txBody>
+          <a:bodyPr/>
+          <a:lstStyle/>
+          <a:p>
+            <a:pPr>
+              <a:defRPr/>
+            </a:pPr>
+            <a:fld id="{FA04BB6B-BEDE-48E4-970F-8DFC0D4B5AE7}" type="slidenum">
+              <a:rPr lang="en-US" smtClean="0"/>
+              <a:pPr>
+                <a:defRPr/>
+              </a:pPr>
+              <a:t>24</a:t>
+            </a:fld>
+            <a:endParaRPr lang="en-US" dirty="0"/>
+          </a:p>
+        </p:txBody>
+      </p:sp>
+    </p:spTree>
+    <p:extLst>
+      <p:ext uri="{BB962C8B-B14F-4D97-AF65-F5344CB8AC3E}">
+        <p14:creationId xmlns:p14="http://schemas.microsoft.com/office/powerpoint/2010/main" val="507947043"/>
+      </p:ext>
+    </p:extLst>
+  </p:cSld>
+  <p:clrMapOvr>
+    <a:masterClrMapping/>
+  </p:clrMapOvr>
+</p:notes>
+</file>
+
+<file path=ppt/notesSlides/notesSlide18.xml><?xml version="1.0" encoding="utf-8"?>
+<p:notes xmlns:a="http://schemas.openxmlformats.org/drawingml/2006/main" xmlns:r="http://schemas.openxmlformats.org/officeDocument/2006/relationships" xmlns:p="http://schemas.openxmlformats.org/presentationml/2006/main">
+  <p:cSld>
+    <p:spTree>
+      <p:nvGrpSpPr>
+        <p:cNvPr id="1" name=""/>
+        <p:cNvGrpSpPr/>
+        <p:nvPr/>
+      </p:nvGrpSpPr>
+      <p:grpSpPr>
+        <a:xfrm>
+          <a:off x="0" y="0"/>
+          <a:ext cx="0" cy="0"/>
+          <a:chOff x="0" y="0"/>
+          <a:chExt cx="0" cy="0"/>
+        </a:xfrm>
+      </p:grpSpPr>
+      <p:sp>
+        <p:nvSpPr>
+          <p:cNvPr id="2" name="Slide Image Placeholder 1"/>
+          <p:cNvSpPr>
+            <a:spLocks noGrp="1" noRot="1" noChangeAspect="1"/>
+          </p:cNvSpPr>
+          <p:nvPr>
+            <p:ph type="sldImg"/>
+          </p:nvPr>
+        </p:nvSpPr>
+        <p:spPr/>
+      </p:sp>
+      <p:sp>
+        <p:nvSpPr>
+          <p:cNvPr id="3" name="Notes Placeholder 2"/>
+          <p:cNvSpPr>
+            <a:spLocks noGrp="1"/>
+          </p:cNvSpPr>
+          <p:nvPr>
+            <p:ph type="body" idx="1"/>
+          </p:nvPr>
+        </p:nvSpPr>
+        <p:spPr/>
+        <p:txBody>
+          <a:bodyPr/>
+          <a:lstStyle/>
+          <a:p>
+            <a:r>
+              <a:rPr lang="en-US" dirty="0" smtClean="0"/>
+              <a:t>Applications</a:t>
+            </a:r>
+            <a:r>
+              <a:rPr lang="en-US" baseline="0" dirty="0" smtClean="0"/>
+              <a:t> born in the cloud, </a:t>
+            </a:r>
+            <a:r>
+              <a:rPr lang="en-US" dirty="0" smtClean="0"/>
+              <a:t>Applications providing APIs, Cloud providing APIs</a:t>
+            </a:r>
+          </a:p>
+          <a:p>
+            <a:r>
+              <a:rPr lang="en-US" dirty="0" smtClean="0"/>
+              <a:t>What does that mean if</a:t>
+            </a:r>
+            <a:r>
+              <a:rPr lang="en-US" baseline="0" dirty="0" smtClean="0"/>
+              <a:t> we wanted to take this Mesos Framework into the Cloud?</a:t>
+            </a:r>
+            <a:endParaRPr lang="en-US" dirty="0"/>
+          </a:p>
+        </p:txBody>
+      </p:sp>
+      <p:sp>
+        <p:nvSpPr>
+          <p:cNvPr id="4" name="Slide Number Placeholder 3"/>
+          <p:cNvSpPr>
+            <a:spLocks noGrp="1"/>
+          </p:cNvSpPr>
+          <p:nvPr>
+            <p:ph type="sldNum" sz="quarter" idx="10"/>
+          </p:nvPr>
+        </p:nvSpPr>
+        <p:spPr/>
+        <p:txBody>
+          <a:bodyPr/>
+          <a:lstStyle/>
+          <a:p>
+            <a:pPr>
+              <a:defRPr/>
+            </a:pPr>
+            <a:fld id="{FA04BB6B-BEDE-48E4-970F-8DFC0D4B5AE7}" type="slidenum">
+              <a:rPr lang="en-US" smtClean="0"/>
+              <a:pPr>
+                <a:defRPr/>
+              </a:pPr>
+              <a:t>25</a:t>
+            </a:fld>
+            <a:endParaRPr lang="en-US" dirty="0"/>
+          </a:p>
+        </p:txBody>
+      </p:sp>
+    </p:spTree>
+    <p:extLst>
+      <p:ext uri="{BB962C8B-B14F-4D97-AF65-F5344CB8AC3E}">
+        <p14:creationId xmlns:p14="http://schemas.microsoft.com/office/powerpoint/2010/main" val="858503888"/>
+      </p:ext>
+    </p:extLst>
+  </p:cSld>
+  <p:clrMapOvr>
+    <a:masterClrMapping/>
+  </p:clrMapOvr>
+</p:notes>
+</file>
+
+<file path=ppt/notesSlides/notesSlide19.xml><?xml version="1.0" encoding="utf-8"?>
+<p:notes xmlns:a="http://schemas.openxmlformats.org/drawingml/2006/main" xmlns:r="http://schemas.openxmlformats.org/officeDocument/2006/relationships" xmlns:p="http://schemas.openxmlformats.org/presentationml/2006/main">
+  <p:cSld>
+    <p:spTree>
+      <p:nvGrpSpPr>
+        <p:cNvPr id="1" name=""/>
+        <p:cNvGrpSpPr/>
+        <p:nvPr/>
+      </p:nvGrpSpPr>
+      <p:grpSpPr>
+        <a:xfrm>
+          <a:off x="0" y="0"/>
+          <a:ext cx="0" cy="0"/>
+          <a:chOff x="0" y="0"/>
+          <a:chExt cx="0" cy="0"/>
+        </a:xfrm>
+      </p:grpSpPr>
+      <p:sp>
+        <p:nvSpPr>
+          <p:cNvPr id="2" name="Slide Image Placeholder 1"/>
+          <p:cNvSpPr>
+            <a:spLocks noGrp="1" noRot="1" noChangeAspect="1"/>
+          </p:cNvSpPr>
+          <p:nvPr>
+            <p:ph type="sldImg"/>
+          </p:nvPr>
+        </p:nvSpPr>
+        <p:spPr/>
+      </p:sp>
+      <p:sp>
+        <p:nvSpPr>
+          <p:cNvPr id="3" name="Notes Placeholder 2"/>
+          <p:cNvSpPr>
+            <a:spLocks noGrp="1"/>
+          </p:cNvSpPr>
+          <p:nvPr>
+            <p:ph type="body" idx="1"/>
+          </p:nvPr>
+        </p:nvSpPr>
+        <p:spPr/>
+        <p:txBody>
+          <a:bodyPr/>
+          <a:lstStyle/>
+          <a:p>
+            <a:r>
+              <a:rPr lang="en-US" dirty="0" smtClean="0"/>
+              <a:t>So what</a:t>
+            </a:r>
+            <a:r>
+              <a:rPr lang="en-US" baseline="0" dirty="0" smtClean="0"/>
+              <a:t> I am saying is that applications can start fixing themselves?</a:t>
+            </a:r>
+            <a:endParaRPr lang="en-US" dirty="0"/>
+          </a:p>
+        </p:txBody>
+      </p:sp>
+      <p:sp>
+        <p:nvSpPr>
+          <p:cNvPr id="4" name="Slide Number Placeholder 3"/>
+          <p:cNvSpPr>
+            <a:spLocks noGrp="1"/>
+          </p:cNvSpPr>
+          <p:nvPr>
+            <p:ph type="sldNum" sz="quarter" idx="10"/>
+          </p:nvPr>
+        </p:nvSpPr>
+        <p:spPr/>
+        <p:txBody>
+          <a:bodyPr/>
+          <a:lstStyle/>
+          <a:p>
+            <a:pPr>
+              <a:defRPr/>
+            </a:pPr>
+            <a:fld id="{FA04BB6B-BEDE-48E4-970F-8DFC0D4B5AE7}" type="slidenum">
+              <a:rPr lang="en-US" smtClean="0"/>
+              <a:pPr>
+                <a:defRPr/>
+              </a:pPr>
+              <a:t>26</a:t>
+            </a:fld>
+            <a:endParaRPr lang="en-US" dirty="0"/>
+          </a:p>
+        </p:txBody>
+      </p:sp>
+    </p:spTree>
+    <p:extLst>
+      <p:ext uri="{BB962C8B-B14F-4D97-AF65-F5344CB8AC3E}">
+        <p14:creationId xmlns:p14="http://schemas.microsoft.com/office/powerpoint/2010/main" val="2166794861"/>
       </p:ext>
     </p:extLst>
   </p:cSld>
@@ -874,49 +1969,6 @@
           <a:bodyPr/>
           <a:lstStyle/>
           <a:p>
-            <a:r>
-              <a:rPr lang="en-US" dirty="0" smtClean="0"/>
-              <a:t>Is a Container Scheduler</a:t>
-            </a:r>
-          </a:p>
-          <a:p>
-            <a:r>
-              <a:rPr lang="en-US" baseline="0" dirty="0" smtClean="0"/>
-              <a:t>  - </a:t>
-            </a:r>
-            <a:r>
-              <a:rPr lang="en-US" dirty="0" smtClean="0"/>
-              <a:t>Docker</a:t>
-            </a:r>
-          </a:p>
-          <a:p>
-            <a:r>
-              <a:rPr lang="en-US" baseline="0" smtClean="0"/>
-              <a:t>  - </a:t>
-            </a:r>
-            <a:r>
-              <a:rPr lang="en-US" smtClean="0"/>
-              <a:t>Unified </a:t>
-            </a:r>
-            <a:r>
-              <a:rPr lang="en-US" dirty="0" err="1" smtClean="0"/>
-              <a:t>Containerizer</a:t>
-            </a:r>
-            <a:endParaRPr lang="en-US" dirty="0" smtClean="0"/>
-          </a:p>
-          <a:p>
-            <a:r>
-              <a:rPr lang="en-US" dirty="0" smtClean="0"/>
-              <a:t>Task placement based on CPU, Memory, and Disk</a:t>
-            </a:r>
-          </a:p>
-          <a:p>
-            <a:r>
-              <a:rPr lang="en-US" dirty="0" smtClean="0"/>
-              <a:t>User defined constraints</a:t>
-            </a:r>
-          </a:p>
-          <a:p>
             <a:endParaRPr lang="en-US" dirty="0"/>
           </a:p>
         </p:txBody>
@@ -944,7 +1996,7 @@
               <a:pPr>
                 <a:defRPr/>
               </a:pPr>
-              <a:t>13</a:t>
+              <a:t>7</a:t>
             </a:fld>
             <a:endParaRPr lang="en-US" dirty="0"/>
           </a:p>
@@ -953,7 +2005,231 @@
     </p:spTree>
     <p:extLst>
       <p:ext uri="{BB962C8B-B14F-4D97-AF65-F5344CB8AC3E}">
-        <p14:creationId xmlns:p14="http://schemas.microsoft.com/office/powerpoint/2010/main" val="2738618154"/>
+        <p14:creationId xmlns:p14="http://schemas.microsoft.com/office/powerpoint/2010/main" val="583514331"/>
+      </p:ext>
+    </p:extLst>
+  </p:cSld>
+  <p:clrMapOvr>
+    <a:masterClrMapping/>
+  </p:clrMapOvr>
+</p:notes>
+</file>
+
+<file path=ppt/notesSlides/notesSlide20.xml><?xml version="1.0" encoding="utf-8"?>
+<p:notes xmlns:a="http://schemas.openxmlformats.org/drawingml/2006/main" xmlns:r="http://schemas.openxmlformats.org/officeDocument/2006/relationships" xmlns:p="http://schemas.openxmlformats.org/presentationml/2006/main">
+  <p:cSld>
+    <p:spTree>
+      <p:nvGrpSpPr>
+        <p:cNvPr id="1" name=""/>
+        <p:cNvGrpSpPr/>
+        <p:nvPr/>
+      </p:nvGrpSpPr>
+      <p:grpSpPr>
+        <a:xfrm>
+          <a:off x="0" y="0"/>
+          <a:ext cx="0" cy="0"/>
+          <a:chOff x="0" y="0"/>
+          <a:chExt cx="0" cy="0"/>
+        </a:xfrm>
+      </p:grpSpPr>
+      <p:sp>
+        <p:nvSpPr>
+          <p:cNvPr id="2" name="Slide Image Placeholder 1"/>
+          <p:cNvSpPr>
+            <a:spLocks noGrp="1" noRot="1" noChangeAspect="1"/>
+          </p:cNvSpPr>
+          <p:nvPr>
+            <p:ph type="sldImg"/>
+          </p:nvPr>
+        </p:nvSpPr>
+        <p:spPr/>
+      </p:sp>
+      <p:sp>
+        <p:nvSpPr>
+          <p:cNvPr id="3" name="Notes Placeholder 2"/>
+          <p:cNvSpPr>
+            <a:spLocks noGrp="1"/>
+          </p:cNvSpPr>
+          <p:nvPr>
+            <p:ph type="body" idx="1"/>
+          </p:nvPr>
+        </p:nvSpPr>
+        <p:spPr/>
+        <p:txBody>
+          <a:bodyPr/>
+          <a:lstStyle/>
+          <a:p>
+            <a:r>
+              <a:rPr lang="en-US" dirty="0" smtClean="0"/>
+              <a:t>Everything to make this happen is available</a:t>
+            </a:r>
+            <a:r>
+              <a:rPr lang="en-US" baseline="0" dirty="0" smtClean="0"/>
+              <a:t> using</a:t>
+            </a:r>
+            <a:r>
+              <a:rPr lang="mr-IN" baseline="0" dirty="0" smtClean="0"/>
+              <a:t>…</a:t>
+            </a:r>
+            <a:endParaRPr lang="en-US" dirty="0"/>
+          </a:p>
+        </p:txBody>
+      </p:sp>
+      <p:sp>
+        <p:nvSpPr>
+          <p:cNvPr id="4" name="Slide Number Placeholder 3"/>
+          <p:cNvSpPr>
+            <a:spLocks noGrp="1"/>
+          </p:cNvSpPr>
+          <p:nvPr>
+            <p:ph type="sldNum" sz="quarter" idx="10"/>
+          </p:nvPr>
+        </p:nvSpPr>
+        <p:spPr/>
+        <p:txBody>
+          <a:bodyPr/>
+          <a:lstStyle/>
+          <a:p>
+            <a:pPr>
+              <a:defRPr/>
+            </a:pPr>
+            <a:fld id="{FA04BB6B-BEDE-48E4-970F-8DFC0D4B5AE7}" type="slidenum">
+              <a:rPr lang="en-US" smtClean="0"/>
+              <a:pPr>
+                <a:defRPr/>
+              </a:pPr>
+              <a:t>27</a:t>
+            </a:fld>
+            <a:endParaRPr lang="en-US" dirty="0"/>
+          </a:p>
+        </p:txBody>
+      </p:sp>
+    </p:spTree>
+    <p:extLst>
+      <p:ext uri="{BB962C8B-B14F-4D97-AF65-F5344CB8AC3E}">
+        <p14:creationId xmlns:p14="http://schemas.microsoft.com/office/powerpoint/2010/main" val="3654311089"/>
+      </p:ext>
+    </p:extLst>
+  </p:cSld>
+  <p:clrMapOvr>
+    <a:masterClrMapping/>
+  </p:clrMapOvr>
+</p:notes>
+</file>
+
+<file path=ppt/notesSlides/notesSlide21.xml><?xml version="1.0" encoding="utf-8"?>
+<p:notes xmlns:a="http://schemas.openxmlformats.org/drawingml/2006/main" xmlns:r="http://schemas.openxmlformats.org/officeDocument/2006/relationships" xmlns:p="http://schemas.openxmlformats.org/presentationml/2006/main">
+  <p:cSld>
+    <p:spTree>
+      <p:nvGrpSpPr>
+        <p:cNvPr id="1" name=""/>
+        <p:cNvGrpSpPr/>
+        <p:nvPr/>
+      </p:nvGrpSpPr>
+      <p:grpSpPr>
+        <a:xfrm>
+          <a:off x="0" y="0"/>
+          <a:ext cx="0" cy="0"/>
+          <a:chOff x="0" y="0"/>
+          <a:chExt cx="0" cy="0"/>
+        </a:xfrm>
+      </p:grpSpPr>
+      <p:sp>
+        <p:nvSpPr>
+          <p:cNvPr id="2" name="Slide Image Placeholder 1"/>
+          <p:cNvSpPr>
+            <a:spLocks noGrp="1" noRot="1" noChangeAspect="1"/>
+          </p:cNvSpPr>
+          <p:nvPr>
+            <p:ph type="sldImg"/>
+          </p:nvPr>
+        </p:nvSpPr>
+        <p:spPr/>
+      </p:sp>
+      <p:sp>
+        <p:nvSpPr>
+          <p:cNvPr id="3" name="Notes Placeholder 2"/>
+          <p:cNvSpPr>
+            <a:spLocks noGrp="1"/>
+          </p:cNvSpPr>
+          <p:nvPr>
+            <p:ph type="body" idx="1"/>
+          </p:nvPr>
+        </p:nvSpPr>
+        <p:spPr/>
+        <p:txBody>
+          <a:bodyPr/>
+          <a:lstStyle/>
+          <a:p>
+            <a:pPr marL="0" marR="0" indent="0" algn="l" defTabSz="914400" rtl="0" eaLnBrk="0" fontAlgn="base" latinLnBrk="0" hangingPunct="0">
+              <a:lnSpc>
+                <a:spcPct val="100000"/>
+              </a:lnSpc>
+              <a:spcBef>
+                <a:spcPct val="30000"/>
+              </a:spcBef>
+              <a:spcAft>
+                <a:spcPct val="0"/>
+              </a:spcAft>
+              <a:buClrTx/>
+              <a:buSzTx/>
+              <a:buFontTx/>
+              <a:buNone/>
+              <a:tabLst/>
+              <a:defRPr/>
+            </a:pPr>
+            <a:r>
+              <a:rPr lang="en-US" dirty="0" smtClean="0"/>
+              <a:t>So I</a:t>
+            </a:r>
+            <a:r>
+              <a:rPr lang="en-US" baseline="0" dirty="0" smtClean="0"/>
+              <a:t> ended up building that into the Framework. Using</a:t>
+            </a:r>
+            <a:r>
+              <a:rPr lang="mr-IN" baseline="0" dirty="0" smtClean="0"/>
+              <a:t>…</a:t>
+            </a:r>
+            <a:endParaRPr lang="en-US" dirty="0" smtClean="0"/>
+          </a:p>
+          <a:p>
+            <a:endParaRPr lang="en-US" dirty="0"/>
+          </a:p>
+        </p:txBody>
+      </p:sp>
+      <p:sp>
+        <p:nvSpPr>
+          <p:cNvPr id="4" name="Slide Number Placeholder 3"/>
+          <p:cNvSpPr>
+            <a:spLocks noGrp="1"/>
+          </p:cNvSpPr>
+          <p:nvPr>
+            <p:ph type="sldNum" sz="quarter" idx="10"/>
+          </p:nvPr>
+        </p:nvSpPr>
+        <p:spPr/>
+        <p:txBody>
+          <a:bodyPr/>
+          <a:lstStyle/>
+          <a:p>
+            <a:pPr>
+              <a:defRPr/>
+            </a:pPr>
+            <a:fld id="{FA04BB6B-BEDE-48E4-970F-8DFC0D4B5AE7}" type="slidenum">
+              <a:rPr lang="en-US" smtClean="0"/>
+              <a:pPr>
+                <a:defRPr/>
+              </a:pPr>
+              <a:t>28</a:t>
+            </a:fld>
+            <a:endParaRPr lang="en-US" dirty="0"/>
+          </a:p>
+        </p:txBody>
+      </p:sp>
+    </p:spTree>
+    <p:extLst>
+      <p:ext uri="{BB962C8B-B14F-4D97-AF65-F5344CB8AC3E}">
+        <p14:creationId xmlns:p14="http://schemas.microsoft.com/office/powerpoint/2010/main" val="400649626"/>
       </p:ext>
     </p:extLst>
   </p:cSld>
@@ -1007,6 +2283,14 @@
           <a:bodyPr/>
           <a:lstStyle/>
           <a:p>
+            <a:r>
+              <a:rPr lang="en-US" dirty="0" smtClean="0"/>
+              <a:t>Other forms of Software Defined Storage may need a physical appliance</a:t>
+            </a:r>
+            <a:r>
+              <a:rPr lang="en-US" baseline="0" dirty="0" smtClean="0"/>
+              <a:t> or require some purpose built hardware. NFS and VSAN do not. I am going to touch on this a little more later.</a:t>
+            </a:r>
             <a:endParaRPr lang="en-US" dirty="0"/>
           </a:p>
         </p:txBody>
@@ -1034,7 +2318,7 @@
               <a:pPr>
                 <a:defRPr/>
               </a:pPr>
-              <a:t>19</a:t>
+              <a:t>8</a:t>
             </a:fld>
             <a:endParaRPr lang="en-US" dirty="0"/>
           </a:p>
@@ -1043,7 +2327,7 @@
     </p:spTree>
     <p:extLst>
       <p:ext uri="{BB962C8B-B14F-4D97-AF65-F5344CB8AC3E}">
-        <p14:creationId xmlns:p14="http://schemas.microsoft.com/office/powerpoint/2010/main" val="1598682365"/>
+        <p14:creationId xmlns:p14="http://schemas.microsoft.com/office/powerpoint/2010/main" val="1715028915"/>
       </p:ext>
     </p:extLst>
   </p:cSld>
@@ -1097,7 +2381,72 @@
           <a:bodyPr/>
           <a:lstStyle/>
           <a:p>
-            <a:endParaRPr lang="en-US" dirty="0"/>
+            <a:pPr marL="0" marR="0" indent="0" algn="l" defTabSz="914400" rtl="0" eaLnBrk="0" fontAlgn="base" latinLnBrk="0" hangingPunct="0">
+              <a:lnSpc>
+                <a:spcPct val="100000"/>
+              </a:lnSpc>
+              <a:spcBef>
+                <a:spcPct val="30000"/>
+              </a:spcBef>
+              <a:spcAft>
+                <a:spcPct val="0"/>
+              </a:spcAft>
+              <a:buClrTx/>
+              <a:buSzTx/>
+              <a:buFontTx/>
+              <a:buNone/>
+              <a:tabLst/>
+              <a:defRPr/>
+            </a:pPr>
+            <a:r>
+              <a:rPr lang="en-US" dirty="0" smtClean="0"/>
+              <a:t>Who here</a:t>
+            </a:r>
+            <a:r>
+              <a:rPr lang="en-US" baseline="0" dirty="0" smtClean="0"/>
+              <a:t> has used Mesos, Swarm, or Kubernetes?</a:t>
+            </a:r>
+            <a:endParaRPr lang="en-US" dirty="0" smtClean="0"/>
+          </a:p>
+          <a:p>
+            <a:r>
+              <a:rPr lang="en-US" dirty="0" smtClean="0"/>
+              <a:t>Fair </a:t>
+            </a:r>
+            <a:r>
+              <a:rPr lang="mr-IN" dirty="0" smtClean="0"/>
+              <a:t>–</a:t>
+            </a:r>
+            <a:r>
+              <a:rPr lang="en-US" dirty="0" smtClean="0"/>
+              <a:t> don</a:t>
+            </a:r>
+            <a:r>
+              <a:rPr lang="mr-IN" dirty="0" smtClean="0"/>
+              <a:t>’</a:t>
+            </a:r>
+            <a:r>
+              <a:rPr lang="en-US" dirty="0" smtClean="0"/>
+              <a:t>t overload</a:t>
+            </a:r>
+            <a:r>
+              <a:rPr lang="en-US" baseline="0" dirty="0" smtClean="0"/>
+              <a:t> a particular compute node.</a:t>
+            </a:r>
+          </a:p>
+          <a:p>
+            <a:r>
+              <a:rPr lang="en-US" baseline="0" dirty="0" smtClean="0"/>
+              <a:t>Constraints </a:t>
+            </a:r>
+            <a:r>
+              <a:rPr lang="mr-IN" baseline="0" dirty="0" smtClean="0"/>
+              <a:t>–</a:t>
+            </a:r>
+            <a:r>
+              <a:rPr lang="en-US" baseline="0" dirty="0" smtClean="0"/>
+              <a:t> Places these containers on different compute nodes.</a:t>
+            </a:r>
           </a:p>
         </p:txBody>
       </p:sp>
@@ -1124,7 +2473,7 @@
               <a:pPr>
                 <a:defRPr/>
               </a:pPr>
-              <a:t>26</a:t>
+              <a:t>10</a:t>
             </a:fld>
             <a:endParaRPr lang="en-US" dirty="0"/>
           </a:p>
@@ -1133,7 +2482,7 @@
     </p:spTree>
     <p:extLst>
       <p:ext uri="{BB962C8B-B14F-4D97-AF65-F5344CB8AC3E}">
-        <p14:creationId xmlns:p14="http://schemas.microsoft.com/office/powerpoint/2010/main" val="2166794861"/>
+        <p14:creationId xmlns:p14="http://schemas.microsoft.com/office/powerpoint/2010/main" val="1503665617"/>
       </p:ext>
     </p:extLst>
   </p:cSld>
@@ -1187,6 +2536,92 @@
           <a:bodyPr/>
           <a:lstStyle/>
           <a:p>
+            <a:r>
+              <a:rPr lang="en-US" dirty="0" smtClean="0"/>
+              <a:t>Container Engines</a:t>
+            </a:r>
+            <a:endParaRPr lang="en-US" baseline="0" dirty="0" smtClean="0"/>
+          </a:p>
+          <a:p>
+            <a:pPr marL="0" marR="0" indent="0" algn="l" defTabSz="914400" rtl="0" eaLnBrk="0" fontAlgn="base" latinLnBrk="0" hangingPunct="0">
+              <a:lnSpc>
+                <a:spcPct val="100000"/>
+              </a:lnSpc>
+              <a:spcBef>
+                <a:spcPct val="30000"/>
+              </a:spcBef>
+              <a:spcAft>
+                <a:spcPct val="0"/>
+              </a:spcAft>
+              <a:buClrTx/>
+              <a:buSzTx/>
+              <a:buFontTx/>
+              <a:buNone/>
+              <a:tabLst/>
+              <a:defRPr/>
+            </a:pPr>
+            <a:r>
+              <a:rPr lang="en-US" baseline="0" dirty="0" smtClean="0"/>
+              <a:t>Cluster Manager </a:t>
+            </a:r>
+            <a:r>
+              <a:rPr lang="mr-IN" baseline="0" dirty="0" smtClean="0"/>
+              <a:t>–</a:t>
+            </a:r>
+            <a:r>
+              <a:rPr lang="en-US" baseline="0" dirty="0" smtClean="0"/>
+              <a:t> in the sense if a compute node goes down, the scheduler will restart the tasks on other nodes.</a:t>
+            </a:r>
+          </a:p>
+          <a:p>
+            <a:pPr marL="0" marR="0" indent="0" algn="l" defTabSz="914400" rtl="0" eaLnBrk="0" fontAlgn="base" latinLnBrk="0" hangingPunct="0">
+              <a:lnSpc>
+                <a:spcPct val="100000"/>
+              </a:lnSpc>
+              <a:spcBef>
+                <a:spcPct val="30000"/>
+              </a:spcBef>
+              <a:spcAft>
+                <a:spcPct val="0"/>
+              </a:spcAft>
+              <a:buClrTx/>
+              <a:buSzTx/>
+              <a:buFontTx/>
+              <a:buNone/>
+              <a:tabLst/>
+              <a:defRPr/>
+            </a:pPr>
+            <a:r>
+              <a:rPr lang="en-US" baseline="0" dirty="0" smtClean="0"/>
+              <a:t>Resource </a:t>
+            </a:r>
+            <a:r>
+              <a:rPr lang="mr-IN" baseline="0" dirty="0" smtClean="0"/>
+              <a:t>–</a:t>
+            </a:r>
+            <a:r>
+              <a:rPr lang="en-US" baseline="0" dirty="0" smtClean="0"/>
+              <a:t> like I need 2GB of Memory and 2 CPUs. Maybe you even need a GPU for complex mathematically computations</a:t>
+            </a:r>
+            <a:endParaRPr lang="en-US" dirty="0" smtClean="0"/>
+          </a:p>
+          <a:p>
+            <a:r>
+              <a:rPr lang="en-US" dirty="0" smtClean="0"/>
+              <a:t>Constraints </a:t>
+            </a:r>
+            <a:r>
+              <a:rPr lang="mr-IN" dirty="0" smtClean="0"/>
+              <a:t>–</a:t>
+            </a:r>
+            <a:r>
+              <a:rPr lang="en-US" dirty="0" smtClean="0"/>
+              <a:t> when you deploy</a:t>
+            </a:r>
+            <a:r>
+              <a:rPr lang="en-US" baseline="0" dirty="0" smtClean="0"/>
+              <a:t> this application put each instance in a different row in my datacenter</a:t>
+            </a:r>
             <a:endParaRPr lang="en-US" dirty="0"/>
           </a:p>
         </p:txBody>
@@ -1214,7 +2649,7 @@
               <a:pPr>
                 <a:defRPr/>
               </a:pPr>
-              <a:t>27</a:t>
+              <a:t>11</a:t>
             </a:fld>
             <a:endParaRPr lang="en-US" dirty="0"/>
           </a:p>
@@ -1223,7 +2658,528 @@
     </p:spTree>
     <p:extLst>
       <p:ext uri="{BB962C8B-B14F-4D97-AF65-F5344CB8AC3E}">
-        <p14:creationId xmlns:p14="http://schemas.microsoft.com/office/powerpoint/2010/main" val="3654311089"/>
+        <p14:creationId xmlns:p14="http://schemas.microsoft.com/office/powerpoint/2010/main" val="1450408309"/>
+      </p:ext>
+    </p:extLst>
+  </p:cSld>
+  <p:clrMapOvr>
+    <a:masterClrMapping/>
+  </p:clrMapOvr>
+</p:notes>
+</file>
+
+<file path=ppt/notesSlides/notesSlide6.xml><?xml version="1.0" encoding="utf-8"?>
+<p:notes xmlns:a="http://schemas.openxmlformats.org/drawingml/2006/main" xmlns:r="http://schemas.openxmlformats.org/officeDocument/2006/relationships" xmlns:p="http://schemas.openxmlformats.org/presentationml/2006/main">
+  <p:cSld>
+    <p:spTree>
+      <p:nvGrpSpPr>
+        <p:cNvPr id="1" name=""/>
+        <p:cNvGrpSpPr/>
+        <p:nvPr/>
+      </p:nvGrpSpPr>
+      <p:grpSpPr>
+        <a:xfrm>
+          <a:off x="0" y="0"/>
+          <a:ext cx="0" cy="0"/>
+          <a:chOff x="0" y="0"/>
+          <a:chExt cx="0" cy="0"/>
+        </a:xfrm>
+      </p:grpSpPr>
+      <p:sp>
+        <p:nvSpPr>
+          <p:cNvPr id="2" name="Slide Image Placeholder 1"/>
+          <p:cNvSpPr>
+            <a:spLocks noGrp="1" noRot="1" noChangeAspect="1"/>
+          </p:cNvSpPr>
+          <p:nvPr>
+            <p:ph type="sldImg"/>
+          </p:nvPr>
+        </p:nvSpPr>
+        <p:spPr/>
+      </p:sp>
+      <p:sp>
+        <p:nvSpPr>
+          <p:cNvPr id="3" name="Notes Placeholder 2"/>
+          <p:cNvSpPr>
+            <a:spLocks noGrp="1"/>
+          </p:cNvSpPr>
+          <p:nvPr>
+            <p:ph type="body" idx="1"/>
+          </p:nvPr>
+        </p:nvSpPr>
+        <p:spPr/>
+        <p:txBody>
+          <a:bodyPr/>
+          <a:lstStyle/>
+          <a:p>
+            <a:r>
+              <a:rPr lang="en-US" dirty="0" smtClean="0"/>
+              <a:t>Many Container</a:t>
+            </a:r>
+            <a:r>
+              <a:rPr lang="en-US" baseline="0" dirty="0" smtClean="0"/>
+              <a:t> Schedulers allow for overriding how applications get deploy</a:t>
+            </a:r>
+            <a:r>
+              <a:rPr lang="mr-IN" baseline="0" dirty="0" smtClean="0"/>
+              <a:t>…</a:t>
+            </a:r>
+            <a:endParaRPr lang="en-US" dirty="0"/>
+          </a:p>
+        </p:txBody>
+      </p:sp>
+      <p:sp>
+        <p:nvSpPr>
+          <p:cNvPr id="4" name="Slide Number Placeholder 3"/>
+          <p:cNvSpPr>
+            <a:spLocks noGrp="1"/>
+          </p:cNvSpPr>
+          <p:nvPr>
+            <p:ph type="sldNum" sz="quarter" idx="10"/>
+          </p:nvPr>
+        </p:nvSpPr>
+        <p:spPr/>
+        <p:txBody>
+          <a:bodyPr/>
+          <a:lstStyle/>
+          <a:p>
+            <a:pPr>
+              <a:defRPr/>
+            </a:pPr>
+            <a:fld id="{FA04BB6B-BEDE-48E4-970F-8DFC0D4B5AE7}" type="slidenum">
+              <a:rPr lang="en-US" smtClean="0"/>
+              <a:pPr>
+                <a:defRPr/>
+              </a:pPr>
+              <a:t>12</a:t>
+            </a:fld>
+            <a:endParaRPr lang="en-US" dirty="0"/>
+          </a:p>
+        </p:txBody>
+      </p:sp>
+    </p:spTree>
+    <p:extLst>
+      <p:ext uri="{BB962C8B-B14F-4D97-AF65-F5344CB8AC3E}">
+        <p14:creationId xmlns:p14="http://schemas.microsoft.com/office/powerpoint/2010/main" val="555846191"/>
+      </p:ext>
+    </p:extLst>
+  </p:cSld>
+  <p:clrMapOvr>
+    <a:masterClrMapping/>
+  </p:clrMapOvr>
+</p:notes>
+</file>
+
+<file path=ppt/notesSlides/notesSlide7.xml><?xml version="1.0" encoding="utf-8"?>
+<p:notes xmlns:a="http://schemas.openxmlformats.org/drawingml/2006/main" xmlns:r="http://schemas.openxmlformats.org/officeDocument/2006/relationships" xmlns:p="http://schemas.openxmlformats.org/presentationml/2006/main">
+  <p:cSld>
+    <p:spTree>
+      <p:nvGrpSpPr>
+        <p:cNvPr id="1" name=""/>
+        <p:cNvGrpSpPr/>
+        <p:nvPr/>
+      </p:nvGrpSpPr>
+      <p:grpSpPr>
+        <a:xfrm>
+          <a:off x="0" y="0"/>
+          <a:ext cx="0" cy="0"/>
+          <a:chOff x="0" y="0"/>
+          <a:chExt cx="0" cy="0"/>
+        </a:xfrm>
+      </p:grpSpPr>
+      <p:sp>
+        <p:nvSpPr>
+          <p:cNvPr id="2" name="Slide Image Placeholder 1"/>
+          <p:cNvSpPr>
+            <a:spLocks noGrp="1" noRot="1" noChangeAspect="1"/>
+          </p:cNvSpPr>
+          <p:nvPr>
+            <p:ph type="sldImg"/>
+          </p:nvPr>
+        </p:nvSpPr>
+        <p:spPr/>
+      </p:sp>
+      <p:sp>
+        <p:nvSpPr>
+          <p:cNvPr id="3" name="Notes Placeholder 2"/>
+          <p:cNvSpPr>
+            <a:spLocks noGrp="1"/>
+          </p:cNvSpPr>
+          <p:nvPr>
+            <p:ph type="body" idx="1"/>
+          </p:nvPr>
+        </p:nvSpPr>
+        <p:spPr/>
+        <p:txBody>
+          <a:bodyPr/>
+          <a:lstStyle/>
+          <a:p>
+            <a:r>
+              <a:rPr lang="en-US" dirty="0" smtClean="0"/>
+              <a:t>I wanted to take a loo</a:t>
+            </a:r>
+            <a:r>
+              <a:rPr lang="en-US" baseline="0" dirty="0" smtClean="0"/>
+              <a:t>k at one Container Scheduler in particular</a:t>
+            </a:r>
+            <a:r>
+              <a:rPr lang="mr-IN" baseline="0" dirty="0" smtClean="0"/>
+              <a:t>…</a:t>
+            </a:r>
+            <a:r>
+              <a:rPr lang="en-US" baseline="0" dirty="0" smtClean="0"/>
+              <a:t> Apache Mesos</a:t>
+            </a:r>
+            <a:endParaRPr lang="en-US" dirty="0" smtClean="0"/>
+          </a:p>
+          <a:p>
+            <a:r>
+              <a:rPr lang="en-US" dirty="0" smtClean="0"/>
+              <a:t>Is </a:t>
+            </a:r>
+            <a:r>
+              <a:rPr lang="en-US" dirty="0" smtClean="0"/>
+              <a:t>a Container </a:t>
+            </a:r>
+            <a:r>
+              <a:rPr lang="en-US" dirty="0" smtClean="0"/>
+              <a:t>Scheduler. Supports:</a:t>
+            </a:r>
+            <a:endParaRPr lang="en-US" dirty="0" smtClean="0"/>
+          </a:p>
+          <a:p>
+            <a:r>
+              <a:rPr lang="en-US" baseline="0" dirty="0" smtClean="0"/>
+              <a:t>  - </a:t>
+            </a:r>
+            <a:r>
+              <a:rPr lang="en-US" dirty="0" smtClean="0"/>
+              <a:t>Docker</a:t>
+            </a:r>
+          </a:p>
+          <a:p>
+            <a:r>
+              <a:rPr lang="en-US" baseline="0" dirty="0" smtClean="0"/>
+              <a:t>  - </a:t>
+            </a:r>
+            <a:r>
+              <a:rPr lang="en-US" dirty="0" smtClean="0"/>
+              <a:t>Unified </a:t>
+            </a:r>
+            <a:r>
+              <a:rPr lang="en-US" dirty="0" err="1" smtClean="0"/>
+              <a:t>Containerizer</a:t>
+            </a:r>
+            <a:endParaRPr lang="en-US" dirty="0" smtClean="0"/>
+          </a:p>
+          <a:p>
+            <a:r>
+              <a:rPr lang="en-US" dirty="0" smtClean="0"/>
+              <a:t>Task placement based on CPU, Memory, and Disk</a:t>
+            </a:r>
+          </a:p>
+          <a:p>
+            <a:r>
+              <a:rPr lang="en-US" dirty="0" smtClean="0"/>
+              <a:t>User defined constraints</a:t>
+            </a:r>
+          </a:p>
+          <a:p>
+            <a:endParaRPr lang="en-US" dirty="0"/>
+          </a:p>
+        </p:txBody>
+      </p:sp>
+      <p:sp>
+        <p:nvSpPr>
+          <p:cNvPr id="4" name="Slide Number Placeholder 3"/>
+          <p:cNvSpPr>
+            <a:spLocks noGrp="1"/>
+          </p:cNvSpPr>
+          <p:nvPr>
+            <p:ph type="sldNum" sz="quarter" idx="10"/>
+          </p:nvPr>
+        </p:nvSpPr>
+        <p:spPr/>
+        <p:txBody>
+          <a:bodyPr/>
+          <a:lstStyle/>
+          <a:p>
+            <a:pPr>
+              <a:defRPr/>
+            </a:pPr>
+            <a:fld id="{FA04BB6B-BEDE-48E4-970F-8DFC0D4B5AE7}" type="slidenum">
+              <a:rPr lang="en-US" smtClean="0"/>
+              <a:pPr>
+                <a:defRPr/>
+              </a:pPr>
+              <a:t>13</a:t>
+            </a:fld>
+            <a:endParaRPr lang="en-US" dirty="0"/>
+          </a:p>
+        </p:txBody>
+      </p:sp>
+    </p:spTree>
+    <p:extLst>
+      <p:ext uri="{BB962C8B-B14F-4D97-AF65-F5344CB8AC3E}">
+        <p14:creationId xmlns:p14="http://schemas.microsoft.com/office/powerpoint/2010/main" val="2738618154"/>
+      </p:ext>
+    </p:extLst>
+  </p:cSld>
+  <p:clrMapOvr>
+    <a:masterClrMapping/>
+  </p:clrMapOvr>
+</p:notes>
+</file>
+
+<file path=ppt/notesSlides/notesSlide8.xml><?xml version="1.0" encoding="utf-8"?>
+<p:notes xmlns:a="http://schemas.openxmlformats.org/drawingml/2006/main" xmlns:r="http://schemas.openxmlformats.org/officeDocument/2006/relationships" xmlns:p="http://schemas.openxmlformats.org/presentationml/2006/main">
+  <p:cSld>
+    <p:spTree>
+      <p:nvGrpSpPr>
+        <p:cNvPr id="1" name=""/>
+        <p:cNvGrpSpPr/>
+        <p:nvPr/>
+      </p:nvGrpSpPr>
+      <p:grpSpPr>
+        <a:xfrm>
+          <a:off x="0" y="0"/>
+          <a:ext cx="0" cy="0"/>
+          <a:chOff x="0" y="0"/>
+          <a:chExt cx="0" cy="0"/>
+        </a:xfrm>
+      </p:grpSpPr>
+      <p:sp>
+        <p:nvSpPr>
+          <p:cNvPr id="2" name="Slide Image Placeholder 1"/>
+          <p:cNvSpPr>
+            <a:spLocks noGrp="1" noRot="1" noChangeAspect="1"/>
+          </p:cNvSpPr>
+          <p:nvPr>
+            <p:ph type="sldImg"/>
+          </p:nvPr>
+        </p:nvSpPr>
+        <p:spPr/>
+      </p:sp>
+      <p:sp>
+        <p:nvSpPr>
+          <p:cNvPr id="3" name="Notes Placeholder 2"/>
+          <p:cNvSpPr>
+            <a:spLocks noGrp="1"/>
+          </p:cNvSpPr>
+          <p:nvPr>
+            <p:ph type="body" idx="1"/>
+          </p:nvPr>
+        </p:nvSpPr>
+        <p:spPr/>
+        <p:txBody>
+          <a:bodyPr/>
+          <a:lstStyle/>
+          <a:p>
+            <a:r>
+              <a:rPr lang="en-US" dirty="0" smtClean="0"/>
+              <a:t>The one really cool</a:t>
+            </a:r>
+            <a:r>
+              <a:rPr lang="en-US" baseline="0" dirty="0" smtClean="0"/>
+              <a:t> thing about Mesos is this concept of Frameworks.</a:t>
+            </a:r>
+          </a:p>
+          <a:p>
+            <a:r>
+              <a:rPr lang="en-US" baseline="0" dirty="0" smtClean="0"/>
+              <a:t>Allows you to override the behavior of how an application is placed in your cluster.</a:t>
+            </a:r>
+            <a:endParaRPr lang="en-US" dirty="0"/>
+          </a:p>
+        </p:txBody>
+      </p:sp>
+      <p:sp>
+        <p:nvSpPr>
+          <p:cNvPr id="4" name="Slide Number Placeholder 3"/>
+          <p:cNvSpPr>
+            <a:spLocks noGrp="1"/>
+          </p:cNvSpPr>
+          <p:nvPr>
+            <p:ph type="sldNum" sz="quarter" idx="10"/>
+          </p:nvPr>
+        </p:nvSpPr>
+        <p:spPr/>
+        <p:txBody>
+          <a:bodyPr/>
+          <a:lstStyle/>
+          <a:p>
+            <a:pPr>
+              <a:defRPr/>
+            </a:pPr>
+            <a:fld id="{FA04BB6B-BEDE-48E4-970F-8DFC0D4B5AE7}" type="slidenum">
+              <a:rPr lang="en-US" smtClean="0"/>
+              <a:pPr>
+                <a:defRPr/>
+              </a:pPr>
+              <a:t>14</a:t>
+            </a:fld>
+            <a:endParaRPr lang="en-US" dirty="0"/>
+          </a:p>
+        </p:txBody>
+      </p:sp>
+    </p:spTree>
+    <p:extLst>
+      <p:ext uri="{BB962C8B-B14F-4D97-AF65-F5344CB8AC3E}">
+        <p14:creationId xmlns:p14="http://schemas.microsoft.com/office/powerpoint/2010/main" val="976539886"/>
+      </p:ext>
+    </p:extLst>
+  </p:cSld>
+  <p:clrMapOvr>
+    <a:masterClrMapping/>
+  </p:clrMapOvr>
+</p:notes>
+</file>
+
+<file path=ppt/notesSlides/notesSlide9.xml><?xml version="1.0" encoding="utf-8"?>
+<p:notes xmlns:a="http://schemas.openxmlformats.org/drawingml/2006/main" xmlns:r="http://schemas.openxmlformats.org/officeDocument/2006/relationships" xmlns:p="http://schemas.openxmlformats.org/presentationml/2006/main">
+  <p:cSld>
+    <p:spTree>
+      <p:nvGrpSpPr>
+        <p:cNvPr id="1" name=""/>
+        <p:cNvGrpSpPr/>
+        <p:nvPr/>
+      </p:nvGrpSpPr>
+      <p:grpSpPr>
+        <a:xfrm>
+          <a:off x="0" y="0"/>
+          <a:ext cx="0" cy="0"/>
+          <a:chOff x="0" y="0"/>
+          <a:chExt cx="0" cy="0"/>
+        </a:xfrm>
+      </p:grpSpPr>
+      <p:sp>
+        <p:nvSpPr>
+          <p:cNvPr id="2" name="Slide Image Placeholder 1"/>
+          <p:cNvSpPr>
+            <a:spLocks noGrp="1" noRot="1" noChangeAspect="1"/>
+          </p:cNvSpPr>
+          <p:nvPr>
+            <p:ph type="sldImg"/>
+          </p:nvPr>
+        </p:nvSpPr>
+        <p:spPr/>
+      </p:sp>
+      <p:sp>
+        <p:nvSpPr>
+          <p:cNvPr id="3" name="Notes Placeholder 2"/>
+          <p:cNvSpPr>
+            <a:spLocks noGrp="1"/>
+          </p:cNvSpPr>
+          <p:nvPr>
+            <p:ph type="body" idx="1"/>
+          </p:nvPr>
+        </p:nvSpPr>
+        <p:spPr/>
+        <p:txBody>
+          <a:bodyPr/>
+          <a:lstStyle/>
+          <a:p>
+            <a:r>
+              <a:rPr lang="en-US" dirty="0" smtClean="0"/>
+              <a:t>If</a:t>
+            </a:r>
+            <a:r>
+              <a:rPr lang="en-US" baseline="0" dirty="0" smtClean="0"/>
+              <a:t> we zoom into the offer/accept mechanism, we start with</a:t>
+            </a:r>
+          </a:p>
+          <a:p>
+            <a:r>
+              <a:rPr lang="en-US" baseline="0" dirty="0" smtClean="0"/>
+              <a:t>#1 </a:t>
+            </a:r>
+            <a:r>
+              <a:rPr lang="mr-IN" baseline="0" dirty="0" smtClean="0"/>
+              <a:t>–</a:t>
+            </a:r>
+            <a:r>
+              <a:rPr lang="en-US" baseline="0" dirty="0" smtClean="0"/>
+              <a:t> the compute node offering up resource</a:t>
+            </a:r>
+          </a:p>
+          <a:p>
+            <a:r>
+              <a:rPr lang="en-US" baseline="0" dirty="0" smtClean="0"/>
+              <a:t>#2 - the Framework accepting those resources</a:t>
+            </a:r>
+          </a:p>
+          <a:p>
+            <a:r>
+              <a:rPr lang="en-US" baseline="0" dirty="0" smtClean="0"/>
+              <a:t>#3 </a:t>
+            </a:r>
+            <a:r>
+              <a:rPr lang="mr-IN" baseline="0" dirty="0" smtClean="0"/>
+              <a:t>–</a:t>
+            </a:r>
+            <a:r>
+              <a:rPr lang="en-US" baseline="0" dirty="0" smtClean="0"/>
+              <a:t> the scheduler then </a:t>
+            </a:r>
+            <a:r>
+              <a:rPr lang="en-US" baseline="0" dirty="0" err="1" smtClean="0"/>
+              <a:t>comsumes</a:t>
+            </a:r>
+            <a:r>
+              <a:rPr lang="en-US" baseline="0" dirty="0" smtClean="0"/>
+              <a:t> some resource and launches N-tasks</a:t>
+            </a:r>
+          </a:p>
+          <a:p>
+            <a:r>
+              <a:rPr lang="en-US" baseline="0" dirty="0" smtClean="0"/>
+              <a:t>#4 </a:t>
+            </a:r>
+            <a:r>
+              <a:rPr lang="mr-IN" baseline="0" dirty="0" smtClean="0"/>
+              <a:t>–</a:t>
+            </a:r>
+            <a:r>
+              <a:rPr lang="en-US" baseline="0" dirty="0" smtClean="0"/>
+              <a:t> the executor and tasks get placed on one of the compute nodes.</a:t>
+            </a:r>
+            <a:endParaRPr lang="en-US" dirty="0"/>
+          </a:p>
+        </p:txBody>
+      </p:sp>
+      <p:sp>
+        <p:nvSpPr>
+          <p:cNvPr id="4" name="Slide Number Placeholder 3"/>
+          <p:cNvSpPr>
+            <a:spLocks noGrp="1"/>
+          </p:cNvSpPr>
+          <p:nvPr>
+            <p:ph type="sldNum" sz="quarter" idx="10"/>
+          </p:nvPr>
+        </p:nvSpPr>
+        <p:spPr/>
+        <p:txBody>
+          <a:bodyPr/>
+          <a:lstStyle/>
+          <a:p>
+            <a:pPr>
+              <a:defRPr/>
+            </a:pPr>
+            <a:fld id="{FA04BB6B-BEDE-48E4-970F-8DFC0D4B5AE7}" type="slidenum">
+              <a:rPr lang="en-US" smtClean="0"/>
+              <a:pPr>
+                <a:defRPr/>
+              </a:pPr>
+              <a:t>15</a:t>
+            </a:fld>
+            <a:endParaRPr lang="en-US" dirty="0"/>
+          </a:p>
+        </p:txBody>
+      </p:sp>
+    </p:spTree>
+    <p:extLst>
+      <p:ext uri="{BB962C8B-B14F-4D97-AF65-F5344CB8AC3E}">
+        <p14:creationId xmlns:p14="http://schemas.microsoft.com/office/powerpoint/2010/main" val="1326502931"/>
       </p:ext>
     </p:extLst>
   </p:cSld>
@@ -5646,7 +7602,7 @@
                   <a:schemeClr val="bg1"/>
                 </a:buClr>
               </a:pPr>
-              <a:t>2/23/2017</a:t>
+              <a:t>3/2/17</a:t>
             </a:fld>
             <a:endParaRPr lang="en-US" sz="900" dirty="0" smtClean="0">
               <a:solidFill>
@@ -5720,7 +7676,7 @@
                   <a:schemeClr val="bg1"/>
                 </a:buClr>
               </a:pPr>
-              <a:t>2/23/2017</a:t>
+              <a:t>3/2/17</a:t>
             </a:fld>
             <a:endParaRPr lang="en-US" sz="900" dirty="0" smtClean="0">
               <a:solidFill>
@@ -6873,7 +8829,7 @@
           <p:nvPr/>
         </p:nvPicPr>
         <p:blipFill>
-          <a:blip r:embed="rId2" cstate="print">
+          <a:blip r:embed="rId3" cstate="print">
             <a:extLst>
               <a:ext uri="{28A0092B-C50C-407E-A947-70E740481C1C}">
                 <a14:useLocalDpi xmlns:a14="http://schemas.microsoft.com/office/drawing/2010/main" val="0"/>
@@ -6903,7 +8859,7 @@
           <p:nvPr/>
         </p:nvPicPr>
         <p:blipFill>
-          <a:blip r:embed="rId3" cstate="print">
+          <a:blip r:embed="rId4" cstate="print">
             <a:extLst>
               <a:ext uri="{28A0092B-C50C-407E-A947-70E740481C1C}">
                 <a14:useLocalDpi xmlns:a14="http://schemas.microsoft.com/office/drawing/2010/main" val="0"/>
@@ -6933,7 +8889,7 @@
           <p:nvPr/>
         </p:nvPicPr>
         <p:blipFill>
-          <a:blip r:embed="rId4">
+          <a:blip r:embed="rId5">
             <a:extLst>
               <a:ext uri="{28A0092B-C50C-407E-A947-70E740481C1C}">
                 <a14:useLocalDpi xmlns:a14="http://schemas.microsoft.com/office/drawing/2010/main" val="0"/>
@@ -6963,7 +8919,7 @@
           <p:nvPr/>
         </p:nvPicPr>
         <p:blipFill>
-          <a:blip r:embed="rId5" cstate="print">
+          <a:blip r:embed="rId6" cstate="print">
             <a:extLst>
               <a:ext uri="{28A0092B-C50C-407E-A947-70E740481C1C}">
                 <a14:useLocalDpi xmlns:a14="http://schemas.microsoft.com/office/drawing/2010/main" val="0"/>
@@ -7132,7 +9088,7 @@
           <p:nvPr/>
         </p:nvPicPr>
         <p:blipFill>
-          <a:blip r:embed="rId2" cstate="print">
+          <a:blip r:embed="rId3" cstate="print">
             <a:extLst>
               <a:ext uri="{28A0092B-C50C-407E-A947-70E740481C1C}">
                 <a14:useLocalDpi xmlns:a14="http://schemas.microsoft.com/office/drawing/2010/main" val="0"/>
@@ -7162,7 +9118,7 @@
           <p:nvPr/>
         </p:nvPicPr>
         <p:blipFill>
-          <a:blip r:embed="rId3">
+          <a:blip r:embed="rId4">
             <a:extLst>
               <a:ext uri="{28A0092B-C50C-407E-A947-70E740481C1C}">
                 <a14:useLocalDpi xmlns:a14="http://schemas.microsoft.com/office/drawing/2010/main" val="0"/>
@@ -7192,7 +9148,7 @@
           <p:nvPr/>
         </p:nvPicPr>
         <p:blipFill>
-          <a:blip r:embed="rId4">
+          <a:blip r:embed="rId5">
             <a:extLst>
               <a:ext uri="{28A0092B-C50C-407E-A947-70E740481C1C}">
                 <a14:useLocalDpi xmlns:a14="http://schemas.microsoft.com/office/drawing/2010/main" val="0"/>
@@ -7368,7 +9324,7 @@
           <p:nvPr/>
         </p:nvPicPr>
         <p:blipFill>
-          <a:blip r:embed="rId2" cstate="print">
+          <a:blip r:embed="rId3" cstate="print">
             <a:extLst>
               <a:ext uri="{28A0092B-C50C-407E-A947-70E740481C1C}">
                 <a14:useLocalDpi xmlns:a14="http://schemas.microsoft.com/office/drawing/2010/main" val="0"/>
@@ -7600,7 +9556,7 @@
           <p:nvPr/>
         </p:nvPicPr>
         <p:blipFill>
-          <a:blip r:embed="rId2">
+          <a:blip r:embed="rId3">
             <a:extLst>
               <a:ext uri="{28A0092B-C50C-407E-A947-70E740481C1C}">
                 <a14:useLocalDpi xmlns:a14="http://schemas.microsoft.com/office/drawing/2010/main" val="0"/>
@@ -7630,7 +9586,7 @@
           <p:nvPr/>
         </p:nvPicPr>
         <p:blipFill>
-          <a:blip r:embed="rId3">
+          <a:blip r:embed="rId4">
             <a:extLst>
               <a:ext uri="{28A0092B-C50C-407E-A947-70E740481C1C}">
                 <a14:useLocalDpi xmlns:a14="http://schemas.microsoft.com/office/drawing/2010/main" val="0"/>
@@ -7660,7 +9616,7 @@
           <p:nvPr/>
         </p:nvPicPr>
         <p:blipFill>
-          <a:blip r:embed="rId4" cstate="print">
+          <a:blip r:embed="rId5" cstate="print">
             <a:extLst>
               <a:ext uri="{28A0092B-C50C-407E-A947-70E740481C1C}">
                 <a14:useLocalDpi xmlns:a14="http://schemas.microsoft.com/office/drawing/2010/main" val="0"/>
@@ -7690,7 +9646,7 @@
           <p:nvPr/>
         </p:nvPicPr>
         <p:blipFill>
-          <a:blip r:embed="rId4" cstate="print">
+          <a:blip r:embed="rId5" cstate="print">
             <a:extLst>
               <a:ext uri="{28A0092B-C50C-407E-A947-70E740481C1C}">
                 <a14:useLocalDpi xmlns:a14="http://schemas.microsoft.com/office/drawing/2010/main" val="0"/>
@@ -7720,7 +9676,7 @@
           <p:nvPr/>
         </p:nvPicPr>
         <p:blipFill>
-          <a:blip r:embed="rId5">
+          <a:blip r:embed="rId6">
             <a:extLst>
               <a:ext uri="{28A0092B-C50C-407E-A947-70E740481C1C}">
                 <a14:useLocalDpi xmlns:a14="http://schemas.microsoft.com/office/drawing/2010/main" val="0"/>
@@ -7750,7 +9706,7 @@
           <p:nvPr/>
         </p:nvPicPr>
         <p:blipFill>
-          <a:blip r:embed="rId4" cstate="print">
+          <a:blip r:embed="rId5" cstate="print">
             <a:extLst>
               <a:ext uri="{28A0092B-C50C-407E-A947-70E740481C1C}">
                 <a14:useLocalDpi xmlns:a14="http://schemas.microsoft.com/office/drawing/2010/main" val="0"/>
@@ -8344,7 +10300,7 @@
           </p:nvPr>
         </p:nvPicPr>
         <p:blipFill>
-          <a:blip r:embed="rId2">
+          <a:blip r:embed="rId3">
             <a:extLst>
               <a:ext uri="{28A0092B-C50C-407E-A947-70E740481C1C}">
                 <a14:useLocalDpi xmlns:a14="http://schemas.microsoft.com/office/drawing/2010/main" val="0"/>
@@ -8537,13 +10493,13 @@
           <a:p>
             <a:r>
               <a:rPr lang="en-US" dirty="0">
-                <a:hlinkClick r:id="rId2"/>
+                <a:hlinkClick r:id="rId3"/>
               </a:rPr>
               <a:t>https://</a:t>
             </a:r>
             <a:r>
               <a:rPr lang="en-US" dirty="0" smtClean="0">
-                <a:hlinkClick r:id="rId2"/>
+                <a:hlinkClick r:id="rId3"/>
               </a:rPr>
               <a:t>github.com/codedellemc/scaleio-framework</a:t>
             </a:r>
@@ -8563,7 +10519,7 @@
           <p:nvPr/>
         </p:nvPicPr>
         <p:blipFill>
-          <a:blip r:embed="rId3" cstate="print">
+          <a:blip r:embed="rId4" cstate="print">
             <a:extLst>
               <a:ext uri="{28A0092B-C50C-407E-A947-70E740481C1C}">
                 <a14:useLocalDpi xmlns:a14="http://schemas.microsoft.com/office/drawing/2010/main" val="0"/>
@@ -8705,7 +10661,7 @@
             </a:pPr>
             <a:r>
               <a:rPr lang="en-US" dirty="0">
-                <a:hlinkClick r:id="rId2"/>
+                <a:hlinkClick r:id="rId3"/>
               </a:rPr>
               <a:t>https://www.emc.com/products-solutions/trial-software-download/scaleio.htm</a:t>
             </a:r>
@@ -8728,7 +10684,7 @@
           <p:nvPr/>
         </p:nvPicPr>
         <p:blipFill>
-          <a:blip r:embed="rId3">
+          <a:blip r:embed="rId4">
             <a:extLst>
               <a:ext uri="{28A0092B-C50C-407E-A947-70E740481C1C}">
                 <a14:useLocalDpi xmlns:a14="http://schemas.microsoft.com/office/drawing/2010/main" val="0"/>
@@ -9378,7 +11334,7 @@
           <p:nvPr/>
         </p:nvPicPr>
         <p:blipFill>
-          <a:blip r:embed="rId2"/>
+          <a:blip r:embed="rId3"/>
           <a:stretch>
             <a:fillRect/>
           </a:stretch>
@@ -9891,7 +11847,7 @@
             <p:nvPr/>
           </p:nvPicPr>
           <p:blipFill>
-            <a:blip r:embed="rId2">
+            <a:blip r:embed="rId3">
               <a:extLst>
                 <a:ext uri="{28A0092B-C50C-407E-A947-70E740481C1C}">
                   <a14:useLocalDpi xmlns:a14="http://schemas.microsoft.com/office/drawing/2010/main" val="0"/>
@@ -9921,7 +11877,7 @@
             <p:nvPr/>
           </p:nvPicPr>
           <p:blipFill>
-            <a:blip r:embed="rId3">
+            <a:blip r:embed="rId4">
               <a:extLst>
                 <a:ext uri="{28A0092B-C50C-407E-A947-70E740481C1C}">
                   <a14:useLocalDpi xmlns:a14="http://schemas.microsoft.com/office/drawing/2010/main" val="0"/>
@@ -9951,7 +11907,7 @@
             <p:nvPr/>
           </p:nvPicPr>
           <p:blipFill>
-            <a:blip r:embed="rId3">
+            <a:blip r:embed="rId4">
               <a:extLst>
                 <a:ext uri="{28A0092B-C50C-407E-A947-70E740481C1C}">
                   <a14:useLocalDpi xmlns:a14="http://schemas.microsoft.com/office/drawing/2010/main" val="0"/>
@@ -9981,7 +11937,7 @@
             <p:nvPr/>
           </p:nvPicPr>
           <p:blipFill>
-            <a:blip r:embed="rId3">
+            <a:blip r:embed="rId4">
               <a:extLst>
                 <a:ext uri="{28A0092B-C50C-407E-A947-70E740481C1C}">
                   <a14:useLocalDpi xmlns:a14="http://schemas.microsoft.com/office/drawing/2010/main" val="0"/>
@@ -10360,42 +12316,42 @@
             <a:pPr lvl="1"/>
             <a:r>
               <a:rPr lang="en-US" dirty="0" smtClean="0">
-                <a:hlinkClick r:id="rId2"/>
+                <a:hlinkClick r:id="rId3"/>
               </a:rPr>
               <a:t>https://</a:t>
             </a:r>
-            <a:r>
-              <a:rPr lang="en-US" dirty="0" smtClean="0">
-                <a:hlinkClick r:id="rId3"/>
-              </a:rPr>
-              <a:t>github.com/codedellemc/rexray</a:t>
-            </a:r>
-            <a:endParaRPr lang="en-US" dirty="0"/>
-          </a:p>
-          <a:p>
-            <a:r>
-              <a:rPr lang="en-US" dirty="0" smtClean="0"/>
-              <a:t>mesos-module-dvdi</a:t>
-            </a:r>
-          </a:p>
-          <a:p>
-            <a:pPr lvl="1"/>
-            <a:r>
-              <a:rPr lang="en-US" dirty="0" smtClean="0"/>
-              <a:t>Hook for Mesos nodes to manage external storage</a:t>
-            </a:r>
-          </a:p>
-          <a:p>
-            <a:pPr lvl="1"/>
             <a:r>
               <a:rPr lang="en-US" dirty="0" smtClean="0">
                 <a:hlinkClick r:id="rId4"/>
               </a:rPr>
-              <a:t>https://</a:t>
-            </a:r>
+              <a:t>github.com/codedellemc/rexray</a:t>
+            </a:r>
+            <a:endParaRPr lang="en-US" dirty="0"/>
+          </a:p>
+          <a:p>
+            <a:r>
+              <a:rPr lang="en-US" dirty="0" smtClean="0"/>
+              <a:t>mesos-module-dvdi</a:t>
+            </a:r>
+          </a:p>
+          <a:p>
+            <a:pPr lvl="1"/>
+            <a:r>
+              <a:rPr lang="en-US" dirty="0" smtClean="0"/>
+              <a:t>Hook for Mesos nodes to manage external storage</a:t>
+            </a:r>
+          </a:p>
+          <a:p>
+            <a:pPr lvl="1"/>
             <a:r>
               <a:rPr lang="en-US" dirty="0" smtClean="0">
                 <a:hlinkClick r:id="rId5"/>
+              </a:rPr>
+              <a:t>https://</a:t>
+            </a:r>
+            <a:r>
+              <a:rPr lang="en-US" dirty="0" smtClean="0">
+                <a:hlinkClick r:id="rId6"/>
               </a:rPr>
               <a:t>github.com/codedellemc/mesos-module-dvdi</a:t>
             </a:r>
@@ -10424,7 +12380,7 @@
           <p:nvPr/>
         </p:nvPicPr>
         <p:blipFill>
-          <a:blip r:embed="rId6" cstate="print">
+          <a:blip r:embed="rId7" cstate="print">
             <a:extLst>
               <a:ext uri="{28A0092B-C50C-407E-A947-70E740481C1C}">
                 <a14:useLocalDpi xmlns:a14="http://schemas.microsoft.com/office/drawing/2010/main" val="0"/>
@@ -10454,7 +12410,7 @@
           <p:nvPr/>
         </p:nvPicPr>
         <p:blipFill>
-          <a:blip r:embed="rId7" cstate="print">
+          <a:blip r:embed="rId8" cstate="print">
             <a:extLst>
               <a:ext uri="{28A0092B-C50C-407E-A947-70E740481C1C}">
                 <a14:useLocalDpi xmlns:a14="http://schemas.microsoft.com/office/drawing/2010/main" val="0"/>
@@ -10624,7 +12580,7 @@
           <p:nvPr/>
         </p:nvPicPr>
         <p:blipFill>
-          <a:blip r:embed="rId2">
+          <a:blip r:embed="rId3">
             <a:extLst>
               <a:ext uri="{28A0092B-C50C-407E-A947-70E740481C1C}">
                 <a14:useLocalDpi xmlns:a14="http://schemas.microsoft.com/office/drawing/2010/main" val="0"/>
@@ -10827,7 +12783,7 @@
           <p:nvPr/>
         </p:nvPicPr>
         <p:blipFill>
-          <a:blip r:embed="rId2" cstate="print">
+          <a:blip r:embed="rId3" cstate="print">
             <a:extLst>
               <a:ext uri="{28A0092B-C50C-407E-A947-70E740481C1C}">
                 <a14:useLocalDpi xmlns:a14="http://schemas.microsoft.com/office/drawing/2010/main" val="0"/>
@@ -11242,7 +13198,15 @@
           <a:p>
             <a:r>
               <a:rPr lang="en-US" dirty="0" smtClean="0"/>
-              <a:t>Framework can monitor and self remediate Software-based Storage Platform</a:t>
+              <a:t>Framework can monitor and self remediate </a:t>
+            </a:r>
+            <a:r>
+              <a:rPr lang="en-US" dirty="0" smtClean="0"/>
+              <a:t>this Software-based </a:t>
+            </a:r>
+            <a:r>
+              <a:rPr lang="en-US" dirty="0" smtClean="0"/>
+              <a:t>Storage Platform</a:t>
             </a:r>
           </a:p>
           <a:p>
@@ -11404,14 +13368,11 @@
           <a:p>
             <a:r>
               <a:rPr lang="en-US" dirty="0" smtClean="0"/>
-              <a:t>Review of</a:t>
-            </a:r>
-            <a:br>
-              <a:rPr lang="en-US" dirty="0" smtClean="0"/>
-            </a:br>
-            <a:r>
-              <a:rPr lang="en-US" dirty="0" smtClean="0"/>
-              <a:t>Software-Defined Storage</a:t>
+              <a:t>Software-Defined </a:t>
+            </a:r>
+            <a:r>
+              <a:rPr lang="en-US" dirty="0" smtClean="0"/>
+              <a:t>Storage</a:t>
             </a:r>
             <a:endParaRPr lang="en-US" dirty="0"/>
           </a:p>
@@ -14718,7 +16679,7 @@
           </p:nvPr>
         </p:nvPicPr>
         <p:blipFill>
-          <a:blip r:embed="rId2">
+          <a:blip r:embed="rId3">
             <a:extLst>
               <a:ext uri="{28A0092B-C50C-407E-A947-70E740481C1C}">
                 <a14:useLocalDpi xmlns:a14="http://schemas.microsoft.com/office/drawing/2010/main" val="0"/>
@@ -14862,7 +16823,7 @@
           <p:nvPr/>
         </p:nvPicPr>
         <p:blipFill>
-          <a:blip r:embed="rId2">
+          <a:blip r:embed="rId3">
             <a:extLst>
               <a:ext uri="{28A0092B-C50C-407E-A947-70E740481C1C}">
                 <a14:useLocalDpi xmlns:a14="http://schemas.microsoft.com/office/drawing/2010/main" val="0"/>

--- a/2017_SCALE15/SCaLE-ConSchedAndSDSChangeCloud.pptx
+++ b/2017_SCALE15/SCaLE-ConSchedAndSDSChangeCloud.pptx
@@ -786,15 +786,7 @@
           <a:p>
             <a:r>
               <a:rPr lang="en-US" dirty="0" smtClean="0"/>
-              <a:t>Special</a:t>
-            </a:r>
-            <a:r>
-              <a:rPr lang="en-US" baseline="0" dirty="0" smtClean="0"/>
-              <a:t> branch of Dell EMC called </a:t>
-            </a:r>
-            <a:r>
-              <a:rPr lang="en-US" dirty="0" smtClean="0"/>
-              <a:t>{code} which works develops</a:t>
+              <a:t>{code} by Dell EMC which develops</a:t>
             </a:r>
             <a:r>
               <a:rPr lang="en-US" baseline="0" dirty="0" smtClean="0"/>
@@ -896,17 +888,21 @@
             </a:r>
             <a:r>
               <a:rPr lang="en-US" baseline="0" dirty="0" smtClean="0"/>
-              <a:t> this idea of creating a Software Defined Storage </a:t>
-            </a:r>
+              <a:t> this idea of creating a Software Defined Storage Mesos Framework.</a:t>
+            </a:r>
+          </a:p>
+          <a:p>
             <a:r>
               <a:rPr lang="en-US" baseline="0" dirty="0" smtClean="0"/>
-              <a:t>Mesos Framework.</a:t>
-            </a:r>
-          </a:p>
-          <a:p>
+              <a:t>This Framework would manage the lifecycle of </a:t>
+            </a:r>
+            <a:r>
+              <a:rPr lang="en-US" baseline="0" smtClean="0"/>
+              <a:t>this Software-based Storage </a:t>
+            </a:r>
             <a:r>
               <a:rPr lang="en-US" baseline="0" dirty="0" smtClean="0"/>
-              <a:t>This Framework would manage the lifecycle of this Software Defined Storage platform.</a:t>
+              <a:t>platform.</a:t>
             </a:r>
             <a:endParaRPr lang="en-US" dirty="0"/>
           </a:p>
@@ -1138,7 +1134,25 @@
             </a:r>
             <a:r>
               <a:rPr lang="en-US" baseline="0" dirty="0" smtClean="0"/>
-              <a:t> because the ScaleIO manages maintenance operations. Rebalancing due to a node failure.</a:t>
+              <a:t> because the ScaleIO manages maintenance operations. Rebalancing due to a node failure</a:t>
+            </a:r>
+            <a:r>
+              <a:rPr lang="en-US" baseline="0" dirty="0" smtClean="0"/>
+              <a:t>.</a:t>
+            </a:r>
+          </a:p>
+          <a:p>
+            <a:r>
+              <a:rPr lang="en-US" baseline="0" dirty="0" smtClean="0"/>
+              <a:t>Deploy Anywhere </a:t>
+            </a:r>
+            <a:r>
+              <a:rPr lang="mr-IN" baseline="0" dirty="0" smtClean="0"/>
+              <a:t>–</a:t>
+            </a:r>
+            <a:r>
+              <a:rPr lang="en-US" baseline="0" dirty="0" smtClean="0"/>
+              <a:t> because this is a Software-based Storage platform and its just simple RPMs or DEB. You can install this anywhere!</a:t>
             </a:r>
             <a:endParaRPr lang="en-US" dirty="0"/>
           </a:p>
@@ -1232,8 +1246,13 @@
           <a:p>
             <a:r>
               <a:rPr lang="en-US" dirty="0" smtClean="0"/>
-              <a:t>Why is this important?</a:t>
-            </a:r>
+              <a:t>Why is this important</a:t>
+            </a:r>
+            <a:r>
+              <a:rPr lang="en-US" dirty="0" smtClean="0"/>
+              <a:t>? Why do we care that we can deploy this anywhere?</a:t>
+            </a:r>
+            <a:endParaRPr lang="en-US" dirty="0" smtClean="0"/>
           </a:p>
           <a:p>
             <a:r>
@@ -1872,8 +1891,12 @@
           <a:lstStyle/>
           <a:p>
             <a:r>
-              <a:rPr lang="en-US" dirty="0" smtClean="0"/>
-              <a:t>So what</a:t>
+              <a:rPr lang="en-US" smtClean="0"/>
+              <a:t>RECAP: So </a:t>
+            </a:r>
+            <a:r>
+              <a:rPr lang="en-US" dirty="0" smtClean="0"/>
+              <a:t>what</a:t>
             </a:r>
             <a:r>
               <a:rPr lang="en-US" baseline="0" dirty="0" smtClean="0"/>
@@ -2448,6 +2471,28 @@
               <a:t> Places these containers on different compute nodes.</a:t>
             </a:r>
           </a:p>
+          <a:p>
+            <a:r>
+              <a:rPr lang="en-US" baseline="0" dirty="0" smtClean="0"/>
+              <a:t>Deterministic dispatch jobs </a:t>
+            </a:r>
+            <a:r>
+              <a:rPr lang="mr-IN" baseline="0" dirty="0" smtClean="0"/>
+              <a:t>–</a:t>
+            </a:r>
+            <a:r>
+              <a:rPr lang="en-US" baseline="0" dirty="0" smtClean="0"/>
+              <a:t> this allows me know how </a:t>
+            </a:r>
+            <a:r>
+              <a:rPr lang="en-US" baseline="0" dirty="0" err="1" smtClean="0"/>
+              <a:t>quicky</a:t>
+            </a:r>
+            <a:r>
+              <a:rPr lang="en-US" baseline="0" dirty="0" smtClean="0"/>
+              <a:t> I can scale my application</a:t>
+            </a:r>
+          </a:p>
         </p:txBody>
       </p:sp>
       <p:sp>
@@ -2835,17 +2880,8 @@
           <a:p>
             <a:r>
               <a:rPr lang="en-US" dirty="0" smtClean="0"/>
-              <a:t>Is </a:t>
-            </a:r>
-            <a:r>
-              <a:rPr lang="en-US" dirty="0" smtClean="0"/>
-              <a:t>a Container </a:t>
-            </a:r>
-            <a:r>
-              <a:rPr lang="en-US" dirty="0" smtClean="0"/>
-              <a:t>Scheduler. Supports:</a:t>
-            </a:r>
-            <a:endParaRPr lang="en-US" dirty="0" smtClean="0"/>
+              <a:t>Is a Container Scheduler. Supports:</a:t>
+            </a:r>
           </a:p>
           <a:p>
             <a:r>
@@ -3142,6 +3178,12 @@
             <a:r>
               <a:rPr lang="en-US" baseline="0" dirty="0" smtClean="0"/>
               <a:t> the executor and tasks get placed on one of the compute nodes.</a:t>
+            </a:r>
+          </a:p>
+          <a:p>
+            <a:r>
+              <a:rPr lang="en-US" baseline="0" dirty="0" smtClean="0"/>
+              <a:t>So we will see this exact process happening behind the scenes in the demo.</a:t>
             </a:r>
             <a:endParaRPr lang="en-US" dirty="0"/>
           </a:p>
@@ -7602,7 +7644,7 @@
                   <a:schemeClr val="bg1"/>
                 </a:buClr>
               </a:pPr>
-              <a:t>3/2/17</a:t>
+              <a:t>3/4/17</a:t>
             </a:fld>
             <a:endParaRPr lang="en-US" sz="900" dirty="0" smtClean="0">
               <a:solidFill>
@@ -7676,7 +7718,7 @@
                   <a:schemeClr val="bg1"/>
                 </a:buClr>
               </a:pPr>
-              <a:t>3/2/17</a:t>
+              <a:t>3/4/17</a:t>
             </a:fld>
             <a:endParaRPr lang="en-US" sz="900" dirty="0" smtClean="0">
               <a:solidFill>
@@ -8808,7 +8850,7 @@
           <a:p>
             <a:r>
               <a:rPr lang="en-US" dirty="0" smtClean="0"/>
-              <a:t>Quickly (and deterministically) dispatching jobs</a:t>
+              <a:t>Quickly (and deterministically) dispatch jobs</a:t>
             </a:r>
           </a:p>
           <a:p>
@@ -13198,15 +13240,7 @@
           <a:p>
             <a:r>
               <a:rPr lang="en-US" dirty="0" smtClean="0"/>
-              <a:t>Framework can monitor and self remediate </a:t>
-            </a:r>
-            <a:r>
-              <a:rPr lang="en-US" dirty="0" smtClean="0"/>
-              <a:t>this Software-based </a:t>
-            </a:r>
-            <a:r>
-              <a:rPr lang="en-US" dirty="0" smtClean="0"/>
-              <a:t>Storage Platform</a:t>
+              <a:t>Framework can monitor and self remediate this Software-based Storage Platform</a:t>
             </a:r>
           </a:p>
           <a:p>
@@ -13368,11 +13402,7 @@
           <a:p>
             <a:r>
               <a:rPr lang="en-US" dirty="0" smtClean="0"/>
-              <a:t>Software-Defined </a:t>
-            </a:r>
-            <a:r>
-              <a:rPr lang="en-US" dirty="0" smtClean="0"/>
-              <a:t>Storage</a:t>
+              <a:t>Software-Defined Storage</a:t>
             </a:r>
             <a:endParaRPr lang="en-US" dirty="0"/>
           </a:p>
@@ -16397,12 +16427,6 @@
               <a:t>Varying degrees of SDS: NFS, VMware VSAN</a:t>
             </a:r>
           </a:p>
-          <a:p>
-            <a:r>
-              <a:rPr lang="en-US" dirty="0" smtClean="0"/>
-              <a:t>NFS, VSAN are Software-based Storage Platforms!</a:t>
-            </a:r>
-          </a:p>
         </p:txBody>
       </p:sp>
     </p:spTree>

--- a/2017_SCALE15/SCaLE-ConSchedAndSDSChangeCloud.pptx
+++ b/2017_SCALE15/SCaLE-ConSchedAndSDSChangeCloud.pptx
@@ -786,11 +786,41 @@
           <a:p>
             <a:r>
               <a:rPr lang="en-US" dirty="0" smtClean="0"/>
-              <a:t>{code} by Dell EMC which develops</a:t>
+              <a:t>I work on the {code} team which</a:t>
             </a:r>
             <a:r>
               <a:rPr lang="en-US" baseline="0" dirty="0" smtClean="0"/>
-              <a:t> and contributes to various open source projects in the container space. Docker, Mesos and Kubernetes in particular.</a:t>
+              <a:t> is a group within</a:t>
+            </a:r>
+            <a:r>
+              <a:rPr lang="en-US" dirty="0" smtClean="0"/>
+              <a:t> Dell EMC that develops</a:t>
+            </a:r>
+            <a:r>
+              <a:rPr lang="en-US" baseline="0" dirty="0" smtClean="0"/>
+              <a:t> and contributes to various open source projects in the container space. Docker, Mesos and Kubernetes in particular</a:t>
+            </a:r>
+            <a:r>
+              <a:rPr lang="en-US" baseline="0" dirty="0" smtClean="0"/>
+              <a:t>.</a:t>
+            </a:r>
+          </a:p>
+          <a:p>
+            <a:r>
+              <a:rPr lang="en-US" baseline="0" dirty="0" smtClean="0"/>
+              <a:t>Backup and Recovery Solution working on </a:t>
+            </a:r>
+            <a:r>
+              <a:rPr lang="en-US" baseline="0" dirty="0" err="1" smtClean="0"/>
+              <a:t>Vmware</a:t>
+            </a:r>
+            <a:r>
+              <a:rPr lang="en-US" baseline="0" smtClean="0"/>
+              <a:t> virtualized </a:t>
+            </a:r>
+            <a:r>
+              <a:rPr lang="en-US" baseline="0" dirty="0" smtClean="0"/>
+              <a:t>environments.</a:t>
             </a:r>
             <a:endParaRPr lang="en-US" dirty="0" smtClean="0"/>
           </a:p>
@@ -1134,11 +1164,7 @@
             </a:r>
             <a:r>
               <a:rPr lang="en-US" baseline="0" dirty="0" smtClean="0"/>
-              <a:t> because the ScaleIO manages maintenance operations. Rebalancing due to a node failure</a:t>
-            </a:r>
-            <a:r>
-              <a:rPr lang="en-US" baseline="0" dirty="0" smtClean="0"/>
-              <a:t>.</a:t>
+              <a:t> because the ScaleIO manages maintenance operations. Rebalancing due to a node failure.</a:t>
             </a:r>
           </a:p>
           <a:p>
@@ -1246,13 +1272,8 @@
           <a:p>
             <a:r>
               <a:rPr lang="en-US" dirty="0" smtClean="0"/>
-              <a:t>Why is this important</a:t>
-            </a:r>
-            <a:r>
-              <a:rPr lang="en-US" dirty="0" smtClean="0"/>
-              <a:t>? Why do we care that we can deploy this anywhere?</a:t>
-            </a:r>
-            <a:endParaRPr lang="en-US" dirty="0" smtClean="0"/>
+              <a:t>Why is this important? Why do we care that we can deploy this anywhere?</a:t>
+            </a:r>
           </a:p>
           <a:p>
             <a:r>
@@ -1572,12 +1593,26 @@
           <a:lstStyle/>
           <a:p>
             <a:r>
-              <a:rPr lang="en-US" dirty="0" err="1" smtClean="0"/>
-              <a:t>Insultates</a:t>
-            </a:r>
-            <a:r>
-              <a:rPr lang="en-US" dirty="0" smtClean="0"/>
-              <a:t> changes -</a:t>
+              <a:rPr lang="en-US" dirty="0" smtClean="0"/>
+              <a:t>Combined all these</a:t>
+            </a:r>
+            <a:r>
+              <a:rPr lang="en-US" baseline="0" dirty="0" smtClean="0"/>
+              <a:t> technologies what does this</a:t>
+            </a:r>
+            <a:r>
+              <a:rPr lang="mr-IN" baseline="0" smtClean="0"/>
+              <a:t>…</a:t>
+            </a:r>
+            <a:endParaRPr lang="en-US" smtClean="0"/>
+          </a:p>
+          <a:p>
+            <a:endParaRPr lang="en-US" dirty="0" smtClean="0"/>
+          </a:p>
+          <a:p>
+            <a:r>
+              <a:rPr lang="en-US" dirty="0" smtClean="0"/>
+              <a:t>Insulates changes -</a:t>
             </a:r>
             <a:r>
               <a:rPr lang="en-US" baseline="0" dirty="0" smtClean="0"/>
@@ -3013,6 +3048,20 @@
           <a:p>
             <a:r>
               <a:rPr lang="en-US" dirty="0" smtClean="0"/>
+              <a:t>Dive a little deeper</a:t>
+            </a:r>
+            <a:r>
+              <a:rPr lang="mr-IN" dirty="0" smtClean="0"/>
+              <a:t>…</a:t>
+            </a:r>
+            <a:endParaRPr lang="en-US" dirty="0" smtClean="0"/>
+          </a:p>
+          <a:p>
+            <a:endParaRPr lang="en-US" dirty="0" smtClean="0"/>
+          </a:p>
+          <a:p>
+            <a:r>
+              <a:rPr lang="en-US" dirty="0" smtClean="0"/>
               <a:t>The one really cool</a:t>
             </a:r>
             <a:r>
@@ -3135,7 +3184,7 @@
             </a:r>
             <a:r>
               <a:rPr lang="en-US" baseline="0" dirty="0" smtClean="0"/>
-              <a:t> the compute node offering up resource</a:t>
+              <a:t> the compute node offering up resource. Mesos master = control plane!</a:t>
             </a:r>
           </a:p>
           <a:p>
@@ -16513,7 +16562,7 @@
             </a:r>
             <a:r>
               <a:rPr lang="en-US" dirty="0" smtClean="0"/>
-              <a:t>perational - Manage provisioning and data independent of underlying hardware</a:t>
+              <a:t>perational - Manage provisioning process and data independent of underlying hardware</a:t>
             </a:r>
           </a:p>
           <a:p>
@@ -16830,7 +16879,15 @@
           <a:p>
             <a:r>
               <a:rPr lang="en-US" dirty="0"/>
-              <a:t>No special hardware, storage array, storage controller</a:t>
+              <a:t>No special hardware, </a:t>
+            </a:r>
+            <a:r>
+              <a:rPr lang="en-US" dirty="0" smtClean="0"/>
+              <a:t>purpose built appliance, storage </a:t>
+            </a:r>
+            <a:r>
+              <a:rPr lang="en-US" dirty="0"/>
+              <a:t>array, storage controller</a:t>
             </a:r>
           </a:p>
           <a:p>
